--- a/CausesOfDeath_Analysis_Sadbuddhi.pptx
+++ b/CausesOfDeath_Analysis_Sadbuddhi.pptx
@@ -2,17 +2,17 @@
 <file path=ppt/presentation.xml><?xml version="1.0" encoding="utf-8"?>
 <p:presentation xmlns:a="http://schemas.openxmlformats.org/drawingml/2006/main" xmlns:r="http://schemas.openxmlformats.org/officeDocument/2006/relationships" xmlns:p="http://schemas.openxmlformats.org/presentationml/2006/main" saveSubsetFonts="1" autoCompressPictures="0">
   <p:sldMasterIdLst>
-    <p:sldMasterId id="2147483648" r:id="rId1"/>
+    <p:sldMasterId id="2147484097" r:id="rId1"/>
   </p:sldMasterIdLst>
   <p:sldIdLst>
-    <p:sldId id="256" r:id="rId7"/>
-    <p:sldId id="257" r:id="rId8"/>
-    <p:sldId id="258" r:id="rId9"/>
-    <p:sldId id="259" r:id="rId10"/>
-    <p:sldId id="260" r:id="rId11"/>
-    <p:sldId id="261" r:id="rId12"/>
-    <p:sldId id="262" r:id="rId13"/>
-    <p:sldId id="263" r:id="rId14"/>
+    <p:sldId id="256" r:id="rId2"/>
+    <p:sldId id="257" r:id="rId3"/>
+    <p:sldId id="258" r:id="rId4"/>
+    <p:sldId id="259" r:id="rId5"/>
+    <p:sldId id="260" r:id="rId6"/>
+    <p:sldId id="261" r:id="rId7"/>
+    <p:sldId id="262" r:id="rId8"/>
+    <p:sldId id="263" r:id="rId9"/>
   </p:sldIdLst>
   <p:sldSz cx="9144000" cy="6858000" type="screen4x3"/>
   <p:notesSz cx="6858000" cy="9144000"/>
@@ -111,11 +111,27 @@
       </a:defRPr>
     </a:lvl9pPr>
   </p:defaultTextStyle>
+  <p:extLst>
+    <p:ext uri="{EFAFB233-063F-42B5-8137-9DF3F51BA10A}">
+      <p15:sldGuideLst xmlns:p15="http://schemas.microsoft.com/office/powerpoint/2012/main">
+        <p15:guide id="1" orient="horz" pos="2160">
+          <p15:clr>
+            <a:srgbClr val="A4A3A4"/>
+          </p15:clr>
+        </p15:guide>
+        <p15:guide id="2" pos="2880">
+          <p15:clr>
+            <a:srgbClr val="A4A3A4"/>
+          </p15:clr>
+        </p15:guide>
+      </p15:sldGuideLst>
+    </p:ext>
+  </p:extLst>
 </p:presentation>
 </file>
 
 <file path=ppt/slideLayouts/slideLayout1.xml><?xml version="1.0" encoding="utf-8"?>
-<p:sldLayout xmlns:a="http://schemas.openxmlformats.org/drawingml/2006/main" xmlns:r="http://schemas.openxmlformats.org/officeDocument/2006/relationships" xmlns:p="http://schemas.openxmlformats.org/presentationml/2006/main" type="title" preserve="1">
+<p:sldLayout xmlns:a="http://schemas.openxmlformats.org/drawingml/2006/main" xmlns:r="http://schemas.openxmlformats.org/officeDocument/2006/relationships" xmlns:p="http://schemas.openxmlformats.org/presentationml/2006/main" showMasterSp="0" type="title" preserve="1">
   <p:cSld name="Title Slide">
     <p:spTree>
       <p:nvGrpSpPr>
@@ -133,140 +149,185 @@
       </p:grpSpPr>
       <p:sp>
         <p:nvSpPr>
-          <p:cNvPr id="2" name="Title 1"/>
-          <p:cNvSpPr>
-            <a:spLocks noGrp="1"/>
-          </p:cNvSpPr>
-          <p:nvPr>
-            <p:ph type="ctrTitle"/>
-          </p:nvPr>
+          <p:cNvPr id="7" name="Rectangle 6"/>
+          <p:cNvSpPr/>
+          <p:nvPr/>
         </p:nvSpPr>
         <p:spPr>
           <a:xfrm>
-            <a:off x="685800" y="2130425"/>
-            <a:ext cx="7772400" cy="1470025"/>
+            <a:off x="2382" y="6400800"/>
+            <a:ext cx="9141619" cy="457200"/>
+          </a:xfrm>
+          <a:prstGeom prst="rect">
+            <a:avLst/>
+          </a:prstGeom>
+          <a:solidFill>
+            <a:schemeClr val="accent2"/>
+          </a:solidFill>
+          <a:ln>
+            <a:noFill/>
+          </a:ln>
+        </p:spPr>
+        <p:style>
+          <a:lnRef idx="2">
+            <a:schemeClr val="accent1">
+              <a:shade val="50000"/>
+            </a:schemeClr>
+          </a:lnRef>
+          <a:fillRef idx="1">
+            <a:schemeClr val="accent1"/>
+          </a:fillRef>
+          <a:effectRef idx="0">
+            <a:schemeClr val="accent1"/>
+          </a:effectRef>
+          <a:fontRef idx="minor">
+            <a:schemeClr val="lt1"/>
+          </a:fontRef>
+        </p:style>
+      </p:sp>
+      <p:sp>
+        <p:nvSpPr>
+          <p:cNvPr id="8" name="Rectangle 7"/>
+          <p:cNvSpPr/>
+          <p:nvPr/>
+        </p:nvSpPr>
+        <p:spPr>
+          <a:xfrm>
+            <a:off x="12" y="6334316"/>
+            <a:ext cx="9141619" cy="64008"/>
+          </a:xfrm>
+          <a:prstGeom prst="rect">
+            <a:avLst/>
+          </a:prstGeom>
+          <a:solidFill>
+            <a:schemeClr val="accent1"/>
+          </a:solidFill>
+          <a:ln>
+            <a:noFill/>
+          </a:ln>
+        </p:spPr>
+        <p:style>
+          <a:lnRef idx="2">
+            <a:schemeClr val="accent1">
+              <a:shade val="50000"/>
+            </a:schemeClr>
+          </a:lnRef>
+          <a:fillRef idx="1">
+            <a:schemeClr val="accent1"/>
+          </a:fillRef>
+          <a:effectRef idx="0">
+            <a:schemeClr val="accent1"/>
+          </a:effectRef>
+          <a:fontRef idx="minor">
+            <a:schemeClr val="lt1"/>
+          </a:fontRef>
+        </p:style>
+      </p:sp>
+      <p:sp>
+        <p:nvSpPr>
+          <p:cNvPr id="2" name="Title 1"/>
+          <p:cNvSpPr>
+            <a:spLocks noGrp="1"/>
+          </p:cNvSpPr>
+          <p:nvPr>
+            <p:ph type="ctrTitle"/>
+          </p:nvPr>
+        </p:nvSpPr>
+        <p:spPr>
+          <a:xfrm>
+            <a:off x="822960" y="758952"/>
+            <a:ext cx="7543800" cy="3566160"/>
           </a:xfrm>
         </p:spPr>
         <p:txBody>
-          <a:bodyPr/>
-          <a:lstStyle/>
-          <a:p>
-            <a:r>
-              <a:rPr lang="en-US" smtClean="0"/>
-              <a:t>Click to edit Master title style</a:t>
-            </a:r>
-            <a:endParaRPr lang="en-US"/>
-          </a:p>
-        </p:txBody>
-      </p:sp>
-      <p:sp>
-        <p:nvSpPr>
-          <p:cNvPr id="3" name="Subtitle 2"/>
-          <p:cNvSpPr>
-            <a:spLocks noGrp="1"/>
-          </p:cNvSpPr>
-          <p:nvPr>
-            <p:ph type="subTitle" idx="1"/>
-          </p:nvPr>
-        </p:nvSpPr>
-        <p:spPr>
-          <a:xfrm>
-            <a:off x="1371600" y="3886200"/>
-            <a:ext cx="6400800" cy="1752600"/>
-          </a:xfrm>
-        </p:spPr>
-        <p:txBody>
-          <a:bodyPr/>
+          <a:bodyPr anchor="b">
+            <a:normAutofit/>
+          </a:bodyPr>
           <a:lstStyle>
-            <a:lvl1pPr marL="0" indent="0" algn="ctr">
-              <a:buNone/>
-              <a:defRPr>
+            <a:lvl1pPr algn="l">
+              <a:lnSpc>
+                <a:spcPct val="85000"/>
+              </a:lnSpc>
+              <a:defRPr sz="8000" spc="-50" baseline="0">
                 <a:solidFill>
                   <a:schemeClr val="tx1">
-                    <a:tint val="75000"/>
+                    <a:lumMod val="85000"/>
+                    <a:lumOff val="15000"/>
                   </a:schemeClr>
                 </a:solidFill>
               </a:defRPr>
             </a:lvl1pPr>
+          </a:lstStyle>
+          <a:p>
+            <a:r>
+              <a:rPr lang="en-US" smtClean="0"/>
+              <a:t>Click to edit Master title style</a:t>
+            </a:r>
+            <a:endParaRPr lang="en-US" dirty="0"/>
+          </a:p>
+        </p:txBody>
+      </p:sp>
+      <p:sp>
+        <p:nvSpPr>
+          <p:cNvPr id="3" name="Subtitle 2"/>
+          <p:cNvSpPr>
+            <a:spLocks noGrp="1"/>
+          </p:cNvSpPr>
+          <p:nvPr>
+            <p:ph type="subTitle" idx="1"/>
+          </p:nvPr>
+        </p:nvSpPr>
+        <p:spPr>
+          <a:xfrm>
+            <a:off x="825038" y="4455621"/>
+            <a:ext cx="7543800" cy="1143000"/>
+          </a:xfrm>
+        </p:spPr>
+        <p:txBody>
+          <a:bodyPr lIns="91440" rIns="91440">
+            <a:normAutofit/>
+          </a:bodyPr>
+          <a:lstStyle>
+            <a:lvl1pPr marL="0" indent="0" algn="l">
+              <a:buNone/>
+              <a:defRPr sz="2400" cap="all" spc="200" baseline="0">
+                <a:solidFill>
+                  <a:schemeClr val="tx2"/>
+                </a:solidFill>
+                <a:latin typeface="+mj-lt"/>
+              </a:defRPr>
+            </a:lvl1pPr>
             <a:lvl2pPr marL="457200" indent="0" algn="ctr">
               <a:buNone/>
-              <a:defRPr>
-                <a:solidFill>
-                  <a:schemeClr val="tx1">
-                    <a:tint val="75000"/>
-                  </a:schemeClr>
-                </a:solidFill>
-              </a:defRPr>
+              <a:defRPr sz="2400"/>
             </a:lvl2pPr>
             <a:lvl3pPr marL="914400" indent="0" algn="ctr">
               <a:buNone/>
-              <a:defRPr>
-                <a:solidFill>
-                  <a:schemeClr val="tx1">
-                    <a:tint val="75000"/>
-                  </a:schemeClr>
-                </a:solidFill>
-              </a:defRPr>
+              <a:defRPr sz="2400"/>
             </a:lvl3pPr>
             <a:lvl4pPr marL="1371600" indent="0" algn="ctr">
               <a:buNone/>
-              <a:defRPr>
-                <a:solidFill>
-                  <a:schemeClr val="tx1">
-                    <a:tint val="75000"/>
-                  </a:schemeClr>
-                </a:solidFill>
-              </a:defRPr>
+              <a:defRPr sz="2000"/>
             </a:lvl4pPr>
             <a:lvl5pPr marL="1828800" indent="0" algn="ctr">
               <a:buNone/>
-              <a:defRPr>
-                <a:solidFill>
-                  <a:schemeClr val="tx1">
-                    <a:tint val="75000"/>
-                  </a:schemeClr>
-                </a:solidFill>
-              </a:defRPr>
+              <a:defRPr sz="2000"/>
             </a:lvl5pPr>
             <a:lvl6pPr marL="2286000" indent="0" algn="ctr">
               <a:buNone/>
-              <a:defRPr>
-                <a:solidFill>
-                  <a:schemeClr val="tx1">
-                    <a:tint val="75000"/>
-                  </a:schemeClr>
-                </a:solidFill>
-              </a:defRPr>
+              <a:defRPr sz="2000"/>
             </a:lvl6pPr>
             <a:lvl7pPr marL="2743200" indent="0" algn="ctr">
               <a:buNone/>
-              <a:defRPr>
-                <a:solidFill>
-                  <a:schemeClr val="tx1">
-                    <a:tint val="75000"/>
-                  </a:schemeClr>
-                </a:solidFill>
-              </a:defRPr>
+              <a:defRPr sz="2000"/>
             </a:lvl7pPr>
             <a:lvl8pPr marL="3200400" indent="0" algn="ctr">
               <a:buNone/>
-              <a:defRPr>
-                <a:solidFill>
-                  <a:schemeClr val="tx1">
-                    <a:tint val="75000"/>
-                  </a:schemeClr>
-                </a:solidFill>
-              </a:defRPr>
+              <a:defRPr sz="2000"/>
             </a:lvl8pPr>
             <a:lvl9pPr marL="3657600" indent="0" algn="ctr">
               <a:buNone/>
-              <a:defRPr>
-                <a:solidFill>
-                  <a:schemeClr val="tx1">
-                    <a:tint val="75000"/>
-                  </a:schemeClr>
-                </a:solidFill>
-              </a:defRPr>
+              <a:defRPr sz="2000"/>
             </a:lvl9pPr>
           </a:lstStyle>
           <a:p>
@@ -274,7 +335,7 @@
               <a:rPr lang="en-US" smtClean="0"/>
               <a:t>Click to edit Master subtitle style</a:t>
             </a:r>
-            <a:endParaRPr lang="en-US"/>
+            <a:endParaRPr lang="en-US" dirty="0"/>
           </a:p>
         </p:txBody>
       </p:sp>
@@ -295,7 +356,7 @@
           <a:p>
             <a:fld id="{5BCAD085-E8A6-8845-BD4E-CB4CCA059FC4}" type="datetimeFigureOut">
               <a:rPr lang="en-US" smtClean="0"/>
-              <a:t>1/27/13</a:t>
+              <a:t>11/9/2025</a:t>
             </a:fld>
             <a:endParaRPr lang="en-US"/>
           </a:p>
@@ -343,10 +404,48 @@
           </a:p>
         </p:txBody>
       </p:sp>
+      <p:cxnSp>
+        <p:nvCxnSpPr>
+          <p:cNvPr id="9" name="Straight Connector 8"/>
+          <p:cNvCxnSpPr/>
+          <p:nvPr/>
+        </p:nvCxnSpPr>
+        <p:spPr>
+          <a:xfrm>
+            <a:off x="905744" y="4343400"/>
+            <a:ext cx="7406640" cy="0"/>
+          </a:xfrm>
+          <a:prstGeom prst="line">
+            <a:avLst/>
+          </a:prstGeom>
+          <a:ln w="6350">
+            <a:solidFill>
+              <a:schemeClr val="tx1">
+                <a:lumMod val="50000"/>
+                <a:lumOff val="50000"/>
+              </a:schemeClr>
+            </a:solidFill>
+          </a:ln>
+        </p:spPr>
+        <p:style>
+          <a:lnRef idx="1">
+            <a:schemeClr val="accent1"/>
+          </a:lnRef>
+          <a:fillRef idx="0">
+            <a:schemeClr val="accent1"/>
+          </a:fillRef>
+          <a:effectRef idx="0">
+            <a:schemeClr val="accent1"/>
+          </a:effectRef>
+          <a:fontRef idx="minor">
+            <a:schemeClr val="tx1"/>
+          </a:fontRef>
+        </p:style>
+      </p:cxnSp>
     </p:spTree>
     <p:extLst>
       <p:ext uri="{BB962C8B-B14F-4D97-AF65-F5344CB8AC3E}">
-        <p14:creationId xmlns:p14="http://schemas.microsoft.com/office/powerpoint/2010/main" val="3168075583"/>
+        <p14:creationId xmlns:p14="http://schemas.microsoft.com/office/powerpoint/2010/main" val="3674380900"/>
       </p:ext>
     </p:extLst>
   </p:cSld>
@@ -392,7 +491,7 @@
               <a:rPr lang="en-US" smtClean="0"/>
               <a:t>Click to edit Master title style</a:t>
             </a:r>
-            <a:endParaRPr lang="en-US"/>
+            <a:endParaRPr lang="en-US" dirty="0"/>
           </a:p>
         </p:txBody>
       </p:sp>
@@ -408,13 +507,13 @@
         </p:nvSpPr>
         <p:spPr/>
         <p:txBody>
-          <a:bodyPr vert="eaVert"/>
+          <a:bodyPr vert="eaVert" lIns="45720" tIns="0" rIns="45720" bIns="0"/>
           <a:lstStyle/>
           <a:p>
             <a:pPr lvl="0"/>
             <a:r>
               <a:rPr lang="en-US" smtClean="0"/>
-              <a:t>Click to edit Master text styles</a:t>
+              <a:t>Edit Master text styles</a:t>
             </a:r>
           </a:p>
           <a:p>
@@ -444,7 +543,7 @@
               <a:rPr lang="en-US" smtClean="0"/>
               <a:t>Fifth level</a:t>
             </a:r>
-            <a:endParaRPr lang="en-US"/>
+            <a:endParaRPr lang="en-US" dirty="0"/>
           </a:p>
         </p:txBody>
       </p:sp>
@@ -465,7 +564,7 @@
           <a:p>
             <a:fld id="{5BCAD085-E8A6-8845-BD4E-CB4CCA059FC4}" type="datetimeFigureOut">
               <a:rPr lang="en-US" smtClean="0"/>
-              <a:t>1/27/13</a:t>
+              <a:t>11/9/2025</a:t>
             </a:fld>
             <a:endParaRPr lang="en-US"/>
           </a:p>
@@ -516,7 +615,7 @@
     </p:spTree>
     <p:extLst>
       <p:ext uri="{BB962C8B-B14F-4D97-AF65-F5344CB8AC3E}">
-        <p14:creationId xmlns:p14="http://schemas.microsoft.com/office/powerpoint/2010/main" val="2910927964"/>
+        <p14:creationId xmlns:p14="http://schemas.microsoft.com/office/powerpoint/2010/main" val="2398148732"/>
       </p:ext>
     </p:extLst>
   </p:cSld>
@@ -527,7 +626,7 @@
 </file>
 
 <file path=ppt/slideLayouts/slideLayout11.xml><?xml version="1.0" encoding="utf-8"?>
-<p:sldLayout xmlns:a="http://schemas.openxmlformats.org/drawingml/2006/main" xmlns:r="http://schemas.openxmlformats.org/officeDocument/2006/relationships" xmlns:p="http://schemas.openxmlformats.org/presentationml/2006/main" type="vertTitleAndTx" preserve="1">
+<p:sldLayout xmlns:a="http://schemas.openxmlformats.org/drawingml/2006/main" xmlns:r="http://schemas.openxmlformats.org/officeDocument/2006/relationships" xmlns:p="http://schemas.openxmlformats.org/presentationml/2006/main" showMasterSp="0" type="vertTitleAndTx" preserve="1">
   <p:cSld name="Vertical Title and Text">
     <p:spTree>
       <p:nvGrpSpPr>
@@ -545,18 +644,94 @@
       </p:grpSpPr>
       <p:sp>
         <p:nvSpPr>
-          <p:cNvPr id="2" name="Vertical Title 1"/>
-          <p:cNvSpPr>
-            <a:spLocks noGrp="1"/>
-          </p:cNvSpPr>
-          <p:nvPr>
-            <p:ph type="title" orient="vert"/>
-          </p:nvPr>
+          <p:cNvPr id="7" name="Rectangle 6"/>
+          <p:cNvSpPr/>
+          <p:nvPr/>
         </p:nvSpPr>
         <p:spPr>
           <a:xfrm>
-            <a:off x="6629400" y="274638"/>
-            <a:ext cx="2057400" cy="5851525"/>
+            <a:off x="2382" y="6400800"/>
+            <a:ext cx="9141619" cy="457200"/>
+          </a:xfrm>
+          <a:prstGeom prst="rect">
+            <a:avLst/>
+          </a:prstGeom>
+          <a:solidFill>
+            <a:schemeClr val="accent2"/>
+          </a:solidFill>
+          <a:ln>
+            <a:noFill/>
+          </a:ln>
+        </p:spPr>
+        <p:style>
+          <a:lnRef idx="2">
+            <a:schemeClr val="accent1">
+              <a:shade val="50000"/>
+            </a:schemeClr>
+          </a:lnRef>
+          <a:fillRef idx="1">
+            <a:schemeClr val="accent1"/>
+          </a:fillRef>
+          <a:effectRef idx="0">
+            <a:schemeClr val="accent1"/>
+          </a:effectRef>
+          <a:fontRef idx="minor">
+            <a:schemeClr val="lt1"/>
+          </a:fontRef>
+        </p:style>
+      </p:sp>
+      <p:sp>
+        <p:nvSpPr>
+          <p:cNvPr id="8" name="Rectangle 7"/>
+          <p:cNvSpPr/>
+          <p:nvPr/>
+        </p:nvSpPr>
+        <p:spPr>
+          <a:xfrm>
+            <a:off x="12" y="6334316"/>
+            <a:ext cx="9141619" cy="64008"/>
+          </a:xfrm>
+          <a:prstGeom prst="rect">
+            <a:avLst/>
+          </a:prstGeom>
+          <a:solidFill>
+            <a:schemeClr val="accent1"/>
+          </a:solidFill>
+          <a:ln>
+            <a:noFill/>
+          </a:ln>
+        </p:spPr>
+        <p:style>
+          <a:lnRef idx="2">
+            <a:schemeClr val="accent1">
+              <a:shade val="50000"/>
+            </a:schemeClr>
+          </a:lnRef>
+          <a:fillRef idx="1">
+            <a:schemeClr val="accent1"/>
+          </a:fillRef>
+          <a:effectRef idx="0">
+            <a:schemeClr val="accent1"/>
+          </a:effectRef>
+          <a:fontRef idx="minor">
+            <a:schemeClr val="lt1"/>
+          </a:fontRef>
+        </p:style>
+      </p:sp>
+      <p:sp>
+        <p:nvSpPr>
+          <p:cNvPr id="2" name="Vertical Title 1"/>
+          <p:cNvSpPr>
+            <a:spLocks noGrp="1"/>
+          </p:cNvSpPr>
+          <p:nvPr>
+            <p:ph type="title" orient="vert"/>
+          </p:nvPr>
+        </p:nvSpPr>
+        <p:spPr>
+          <a:xfrm>
+            <a:off x="6543675" y="412302"/>
+            <a:ext cx="1971675" cy="5759898"/>
           </a:xfrm>
         </p:spPr>
         <p:txBody>
@@ -567,7 +742,7 @@
               <a:rPr lang="en-US" smtClean="0"/>
               <a:t>Click to edit Master title style</a:t>
             </a:r>
-            <a:endParaRPr lang="en-US"/>
+            <a:endParaRPr lang="en-US" dirty="0"/>
           </a:p>
         </p:txBody>
       </p:sp>
@@ -583,18 +758,18 @@
         </p:nvSpPr>
         <p:spPr>
           <a:xfrm>
-            <a:off x="457200" y="274638"/>
-            <a:ext cx="6019800" cy="5851525"/>
+            <a:off x="628650" y="412302"/>
+            <a:ext cx="5800725" cy="5759898"/>
           </a:xfrm>
         </p:spPr>
         <p:txBody>
-          <a:bodyPr vert="eaVert"/>
+          <a:bodyPr vert="eaVert" lIns="45720" tIns="0" rIns="45720" bIns="0"/>
           <a:lstStyle/>
           <a:p>
             <a:pPr lvl="0"/>
             <a:r>
               <a:rPr lang="en-US" smtClean="0"/>
-              <a:t>Click to edit Master text styles</a:t>
+              <a:t>Edit Master text styles</a:t>
             </a:r>
           </a:p>
           <a:p>
@@ -624,7 +799,7 @@
               <a:rPr lang="en-US" smtClean="0"/>
               <a:t>Fifth level</a:t>
             </a:r>
-            <a:endParaRPr lang="en-US"/>
+            <a:endParaRPr lang="en-US" dirty="0"/>
           </a:p>
         </p:txBody>
       </p:sp>
@@ -645,7 +820,7 @@
           <a:p>
             <a:fld id="{5BCAD085-E8A6-8845-BD4E-CB4CCA059FC4}" type="datetimeFigureOut">
               <a:rPr lang="en-US" smtClean="0"/>
-              <a:t>1/27/13</a:t>
+              <a:t>11/9/2025</a:t>
             </a:fld>
             <a:endParaRPr lang="en-US"/>
           </a:p>
@@ -696,7 +871,7 @@
     </p:spTree>
     <p:extLst>
       <p:ext uri="{BB962C8B-B14F-4D97-AF65-F5344CB8AC3E}">
-        <p14:creationId xmlns:p14="http://schemas.microsoft.com/office/powerpoint/2010/main" val="3612223792"/>
+        <p14:creationId xmlns:p14="http://schemas.microsoft.com/office/powerpoint/2010/main" val="2048373854"/>
       </p:ext>
     </p:extLst>
   </p:cSld>
@@ -742,7 +917,7 @@
               <a:rPr lang="en-US" smtClean="0"/>
               <a:t>Click to edit Master title style</a:t>
             </a:r>
-            <a:endParaRPr lang="en-US"/>
+            <a:endParaRPr lang="en-US" dirty="0"/>
           </a:p>
         </p:txBody>
       </p:sp>
@@ -764,7 +939,7 @@
             <a:pPr lvl="0"/>
             <a:r>
               <a:rPr lang="en-US" smtClean="0"/>
-              <a:t>Click to edit Master text styles</a:t>
+              <a:t>Edit Master text styles</a:t>
             </a:r>
           </a:p>
           <a:p>
@@ -794,7 +969,7 @@
               <a:rPr lang="en-US" smtClean="0"/>
               <a:t>Fifth level</a:t>
             </a:r>
-            <a:endParaRPr lang="en-US"/>
+            <a:endParaRPr lang="en-US" dirty="0"/>
           </a:p>
         </p:txBody>
       </p:sp>
@@ -815,7 +990,7 @@
           <a:p>
             <a:fld id="{5BCAD085-E8A6-8845-BD4E-CB4CCA059FC4}" type="datetimeFigureOut">
               <a:rPr lang="en-US" smtClean="0"/>
-              <a:t>1/27/13</a:t>
+              <a:t>11/9/2025</a:t>
             </a:fld>
             <a:endParaRPr lang="en-US"/>
           </a:p>
@@ -866,7 +1041,7 @@
     </p:spTree>
     <p:extLst>
       <p:ext uri="{BB962C8B-B14F-4D97-AF65-F5344CB8AC3E}">
-        <p14:creationId xmlns:p14="http://schemas.microsoft.com/office/powerpoint/2010/main" val="2614314258"/>
+        <p14:creationId xmlns:p14="http://schemas.microsoft.com/office/powerpoint/2010/main" val="1615328736"/>
       </p:ext>
     </p:extLst>
   </p:cSld>
@@ -877,8 +1052,16 @@
 </file>
 
 <file path=ppt/slideLayouts/slideLayout3.xml><?xml version="1.0" encoding="utf-8"?>
-<p:sldLayout xmlns:a="http://schemas.openxmlformats.org/drawingml/2006/main" xmlns:r="http://schemas.openxmlformats.org/officeDocument/2006/relationships" xmlns:p="http://schemas.openxmlformats.org/presentationml/2006/main" type="secHead" preserve="1">
+<p:sldLayout xmlns:a="http://schemas.openxmlformats.org/drawingml/2006/main" xmlns:r="http://schemas.openxmlformats.org/officeDocument/2006/relationships" xmlns:p="http://schemas.openxmlformats.org/presentationml/2006/main" showMasterSp="0" type="secHead" preserve="1">
   <p:cSld name="Section Header">
+    <p:bg>
+      <p:bgPr>
+        <a:solidFill>
+          <a:schemeClr val="bg1"/>
+        </a:solidFill>
+        <a:effectLst/>
+      </p:bgPr>
+    </p:bg>
     <p:spTree>
       <p:nvGrpSpPr>
         <p:cNvPr id="1" name=""/>
@@ -895,25 +1078,113 @@
       </p:grpSpPr>
       <p:sp>
         <p:nvSpPr>
-          <p:cNvPr id="2" name="Title 1"/>
-          <p:cNvSpPr>
-            <a:spLocks noGrp="1"/>
-          </p:cNvSpPr>
-          <p:nvPr>
-            <p:ph type="title"/>
-          </p:nvPr>
+          <p:cNvPr id="7" name="Rectangle 6"/>
+          <p:cNvSpPr/>
+          <p:nvPr/>
         </p:nvSpPr>
         <p:spPr>
           <a:xfrm>
-            <a:off x="722313" y="4406900"/>
-            <a:ext cx="7772400" cy="1362075"/>
+            <a:off x="2382" y="6400800"/>
+            <a:ext cx="9141619" cy="457200"/>
+          </a:xfrm>
+          <a:prstGeom prst="rect">
+            <a:avLst/>
+          </a:prstGeom>
+          <a:solidFill>
+            <a:schemeClr val="accent2"/>
+          </a:solidFill>
+          <a:ln>
+            <a:noFill/>
+          </a:ln>
+        </p:spPr>
+        <p:style>
+          <a:lnRef idx="2">
+            <a:schemeClr val="accent1">
+              <a:shade val="50000"/>
+            </a:schemeClr>
+          </a:lnRef>
+          <a:fillRef idx="1">
+            <a:schemeClr val="accent1"/>
+          </a:fillRef>
+          <a:effectRef idx="0">
+            <a:schemeClr val="accent1"/>
+          </a:effectRef>
+          <a:fontRef idx="minor">
+            <a:schemeClr val="lt1"/>
+          </a:fontRef>
+        </p:style>
+      </p:sp>
+      <p:sp>
+        <p:nvSpPr>
+          <p:cNvPr id="8" name="Rectangle 7"/>
+          <p:cNvSpPr/>
+          <p:nvPr/>
+        </p:nvSpPr>
+        <p:spPr>
+          <a:xfrm>
+            <a:off x="12" y="6334316"/>
+            <a:ext cx="9141619" cy="64008"/>
+          </a:xfrm>
+          <a:prstGeom prst="rect">
+            <a:avLst/>
+          </a:prstGeom>
+          <a:solidFill>
+            <a:schemeClr val="accent1"/>
+          </a:solidFill>
+          <a:ln>
+            <a:noFill/>
+          </a:ln>
+        </p:spPr>
+        <p:style>
+          <a:lnRef idx="2">
+            <a:schemeClr val="accent1">
+              <a:shade val="50000"/>
+            </a:schemeClr>
+          </a:lnRef>
+          <a:fillRef idx="1">
+            <a:schemeClr val="accent1"/>
+          </a:fillRef>
+          <a:effectRef idx="0">
+            <a:schemeClr val="accent1"/>
+          </a:effectRef>
+          <a:fontRef idx="minor">
+            <a:schemeClr val="lt1"/>
+          </a:fontRef>
+        </p:style>
+      </p:sp>
+      <p:sp>
+        <p:nvSpPr>
+          <p:cNvPr id="2" name="Title 1"/>
+          <p:cNvSpPr>
+            <a:spLocks noGrp="1"/>
+          </p:cNvSpPr>
+          <p:nvPr>
+            <p:ph type="title"/>
+          </p:nvPr>
+        </p:nvSpPr>
+        <p:spPr>
+          <a:xfrm>
+            <a:off x="822960" y="758952"/>
+            <a:ext cx="7543800" cy="3566160"/>
           </a:xfrm>
         </p:spPr>
         <p:txBody>
-          <a:bodyPr anchor="t"/>
+          <a:bodyPr anchor="b" anchorCtr="0">
+            <a:normAutofit/>
+          </a:bodyPr>
           <a:lstStyle>
-            <a:lvl1pPr algn="l">
-              <a:defRPr sz="4000" b="1" cap="all"/>
+            <a:lvl1pPr>
+              <a:lnSpc>
+                <a:spcPct val="85000"/>
+              </a:lnSpc>
+              <a:defRPr sz="8000" b="0">
+                <a:solidFill>
+                  <a:schemeClr val="tx1">
+                    <a:lumMod val="85000"/>
+                    <a:lumOff val="15000"/>
+                  </a:schemeClr>
+                </a:solidFill>
+              </a:defRPr>
             </a:lvl1pPr>
           </a:lstStyle>
           <a:p>
@@ -921,7 +1192,7 @@
               <a:rPr lang="en-US" smtClean="0"/>
               <a:t>Click to edit Master title style</a:t>
             </a:r>
-            <a:endParaRPr lang="en-US"/>
+            <a:endParaRPr lang="en-US" dirty="0"/>
           </a:p>
         </p:txBody>
       </p:sp>
@@ -937,21 +1208,22 @@
         </p:nvSpPr>
         <p:spPr>
           <a:xfrm>
-            <a:off x="722313" y="2906713"/>
-            <a:ext cx="7772400" cy="1500187"/>
+            <a:off x="822960" y="4453128"/>
+            <a:ext cx="7543800" cy="1143000"/>
           </a:xfrm>
         </p:spPr>
         <p:txBody>
-          <a:bodyPr anchor="b"/>
+          <a:bodyPr lIns="91440" rIns="91440" anchor="t" anchorCtr="0">
+            <a:normAutofit/>
+          </a:bodyPr>
           <a:lstStyle>
             <a:lvl1pPr marL="0" indent="0">
               <a:buNone/>
-              <a:defRPr sz="2000">
+              <a:defRPr sz="2400" cap="all" spc="200" baseline="0">
                 <a:solidFill>
-                  <a:schemeClr val="tx1">
-                    <a:tint val="75000"/>
-                  </a:schemeClr>
+                  <a:schemeClr val="tx2"/>
                 </a:solidFill>
+                <a:latin typeface="+mj-lt"/>
               </a:defRPr>
             </a:lvl1pPr>
             <a:lvl2pPr marL="457200" indent="0">
@@ -1039,7 +1311,7 @@
             <a:pPr lvl="0"/>
             <a:r>
               <a:rPr lang="en-US" smtClean="0"/>
-              <a:t>Click to edit Master text styles</a:t>
+              <a:t>Edit Master text styles</a:t>
             </a:r>
           </a:p>
         </p:txBody>
@@ -1061,7 +1333,7 @@
           <a:p>
             <a:fld id="{5BCAD085-E8A6-8845-BD4E-CB4CCA059FC4}" type="datetimeFigureOut">
               <a:rPr lang="en-US" smtClean="0"/>
-              <a:t>1/27/13</a:t>
+              <a:t>11/9/2025</a:t>
             </a:fld>
             <a:endParaRPr lang="en-US"/>
           </a:p>
@@ -1109,10 +1381,48 @@
           </a:p>
         </p:txBody>
       </p:sp>
+      <p:cxnSp>
+        <p:nvCxnSpPr>
+          <p:cNvPr id="9" name="Straight Connector 8"/>
+          <p:cNvCxnSpPr/>
+          <p:nvPr/>
+        </p:nvCxnSpPr>
+        <p:spPr>
+          <a:xfrm>
+            <a:off x="905744" y="4343400"/>
+            <a:ext cx="7406640" cy="0"/>
+          </a:xfrm>
+          <a:prstGeom prst="line">
+            <a:avLst/>
+          </a:prstGeom>
+          <a:ln w="6350">
+            <a:solidFill>
+              <a:schemeClr val="tx1">
+                <a:lumMod val="50000"/>
+                <a:lumOff val="50000"/>
+              </a:schemeClr>
+            </a:solidFill>
+          </a:ln>
+        </p:spPr>
+        <p:style>
+          <a:lnRef idx="1">
+            <a:schemeClr val="accent1"/>
+          </a:lnRef>
+          <a:fillRef idx="0">
+            <a:schemeClr val="accent1"/>
+          </a:fillRef>
+          <a:effectRef idx="0">
+            <a:schemeClr val="accent1"/>
+          </a:effectRef>
+          <a:fontRef idx="minor">
+            <a:schemeClr val="tx1"/>
+          </a:fontRef>
+        </p:style>
+      </p:cxnSp>
     </p:spTree>
     <p:extLst>
       <p:ext uri="{BB962C8B-B14F-4D97-AF65-F5344CB8AC3E}">
-        <p14:creationId xmlns:p14="http://schemas.microsoft.com/office/powerpoint/2010/main" val="960648375"/>
+        <p14:creationId xmlns:p14="http://schemas.microsoft.com/office/powerpoint/2010/main" val="980316845"/>
       </p:ext>
     </p:extLst>
   </p:cSld>
@@ -1141,164 +1451,56 @@
       </p:grpSpPr>
       <p:sp>
         <p:nvSpPr>
-          <p:cNvPr id="2" name="Title 1"/>
+          <p:cNvPr id="8" name="Title 7"/>
           <p:cNvSpPr>
             <a:spLocks noGrp="1"/>
           </p:cNvSpPr>
           <p:nvPr>
             <p:ph type="title"/>
-          </p:nvPr>
-        </p:nvSpPr>
-        <p:spPr/>
-        <p:txBody>
-          <a:bodyPr/>
-          <a:lstStyle/>
-          <a:p>
-            <a:r>
-              <a:rPr lang="en-US" smtClean="0"/>
-              <a:t>Click to edit Master title style</a:t>
-            </a:r>
-            <a:endParaRPr lang="en-US"/>
-          </a:p>
-        </p:txBody>
-      </p:sp>
-      <p:sp>
-        <p:nvSpPr>
-          <p:cNvPr id="3" name="Content Placeholder 2"/>
-          <p:cNvSpPr>
-            <a:spLocks noGrp="1"/>
-          </p:cNvSpPr>
-          <p:nvPr>
-            <p:ph sz="half" idx="1"/>
           </p:nvPr>
         </p:nvSpPr>
         <p:spPr>
           <a:xfrm>
-            <a:off x="457200" y="1600200"/>
-            <a:ext cx="4038600" cy="4525963"/>
+            <a:off x="822960" y="286604"/>
+            <a:ext cx="7543800" cy="1450757"/>
           </a:xfrm>
         </p:spPr>
         <p:txBody>
           <a:bodyPr/>
-          <a:lstStyle>
-            <a:lvl1pPr>
-              <a:defRPr sz="2800"/>
-            </a:lvl1pPr>
-            <a:lvl2pPr>
-              <a:defRPr sz="2400"/>
-            </a:lvl2pPr>
-            <a:lvl3pPr>
-              <a:defRPr sz="2000"/>
-            </a:lvl3pPr>
-            <a:lvl4pPr>
-              <a:defRPr sz="1800"/>
-            </a:lvl4pPr>
-            <a:lvl5pPr>
-              <a:defRPr sz="1800"/>
-            </a:lvl5pPr>
-            <a:lvl6pPr>
-              <a:defRPr sz="1800"/>
-            </a:lvl6pPr>
-            <a:lvl7pPr>
-              <a:defRPr sz="1800"/>
-            </a:lvl7pPr>
-            <a:lvl8pPr>
-              <a:defRPr sz="1800"/>
-            </a:lvl8pPr>
-            <a:lvl9pPr>
-              <a:defRPr sz="1800"/>
-            </a:lvl9pPr>
-          </a:lstStyle>
-          <a:p>
-            <a:pPr lvl="0"/>
-            <a:r>
-              <a:rPr lang="en-US" smtClean="0"/>
-              <a:t>Click to edit Master text styles</a:t>
-            </a:r>
-          </a:p>
-          <a:p>
-            <a:pPr lvl="1"/>
-            <a:r>
-              <a:rPr lang="en-US" smtClean="0"/>
-              <a:t>Second level</a:t>
-            </a:r>
-          </a:p>
-          <a:p>
-            <a:pPr lvl="2"/>
-            <a:r>
-              <a:rPr lang="en-US" smtClean="0"/>
-              <a:t>Third level</a:t>
-            </a:r>
-          </a:p>
-          <a:p>
-            <a:pPr lvl="3"/>
-            <a:r>
-              <a:rPr lang="en-US" smtClean="0"/>
-              <a:t>Fourth level</a:t>
-            </a:r>
-          </a:p>
-          <a:p>
-            <a:pPr lvl="4"/>
-            <a:r>
-              <a:rPr lang="en-US" smtClean="0"/>
-              <a:t>Fifth level</a:t>
-            </a:r>
-            <a:endParaRPr lang="en-US"/>
-          </a:p>
-        </p:txBody>
-      </p:sp>
-      <p:sp>
-        <p:nvSpPr>
-          <p:cNvPr id="4" name="Content Placeholder 3"/>
-          <p:cNvSpPr>
-            <a:spLocks noGrp="1"/>
-          </p:cNvSpPr>
-          <p:nvPr>
-            <p:ph sz="half" idx="2"/>
+          <a:lstStyle/>
+          <a:p>
+            <a:r>
+              <a:rPr lang="en-US" smtClean="0"/>
+              <a:t>Click to edit Master title style</a:t>
+            </a:r>
+            <a:endParaRPr lang="en-US" dirty="0"/>
+          </a:p>
+        </p:txBody>
+      </p:sp>
+      <p:sp>
+        <p:nvSpPr>
+          <p:cNvPr id="3" name="Content Placeholder 2"/>
+          <p:cNvSpPr>
+            <a:spLocks noGrp="1"/>
+          </p:cNvSpPr>
+          <p:nvPr>
+            <p:ph sz="half" idx="1"/>
           </p:nvPr>
         </p:nvSpPr>
         <p:spPr>
           <a:xfrm>
-            <a:off x="4648200" y="1600200"/>
-            <a:ext cx="4038600" cy="4525963"/>
+            <a:off x="822960" y="1845734"/>
+            <a:ext cx="3703320" cy="4023360"/>
           </a:xfrm>
         </p:spPr>
         <p:txBody>
           <a:bodyPr/>
-          <a:lstStyle>
-            <a:lvl1pPr>
-              <a:defRPr sz="2800"/>
-            </a:lvl1pPr>
-            <a:lvl2pPr>
-              <a:defRPr sz="2400"/>
-            </a:lvl2pPr>
-            <a:lvl3pPr>
-              <a:defRPr sz="2000"/>
-            </a:lvl3pPr>
-            <a:lvl4pPr>
-              <a:defRPr sz="1800"/>
-            </a:lvl4pPr>
-            <a:lvl5pPr>
-              <a:defRPr sz="1800"/>
-            </a:lvl5pPr>
-            <a:lvl6pPr>
-              <a:defRPr sz="1800"/>
-            </a:lvl6pPr>
-            <a:lvl7pPr>
-              <a:defRPr sz="1800"/>
-            </a:lvl7pPr>
-            <a:lvl8pPr>
-              <a:defRPr sz="1800"/>
-            </a:lvl8pPr>
-            <a:lvl9pPr>
-              <a:defRPr sz="1800"/>
-            </a:lvl9pPr>
-          </a:lstStyle>
+          <a:lstStyle/>
           <a:p>
             <a:pPr lvl="0"/>
             <a:r>
               <a:rPr lang="en-US" smtClean="0"/>
-              <a:t>Click to edit Master text styles</a:t>
+              <a:t>Edit Master text styles</a:t>
             </a:r>
           </a:p>
           <a:p>
@@ -1328,7 +1530,64 @@
               <a:rPr lang="en-US" smtClean="0"/>
               <a:t>Fifth level</a:t>
             </a:r>
-            <a:endParaRPr lang="en-US"/>
+            <a:endParaRPr lang="en-US" dirty="0"/>
+          </a:p>
+        </p:txBody>
+      </p:sp>
+      <p:sp>
+        <p:nvSpPr>
+          <p:cNvPr id="4" name="Content Placeholder 3"/>
+          <p:cNvSpPr>
+            <a:spLocks noGrp="1"/>
+          </p:cNvSpPr>
+          <p:nvPr>
+            <p:ph sz="half" idx="2"/>
+          </p:nvPr>
+        </p:nvSpPr>
+        <p:spPr>
+          <a:xfrm>
+            <a:off x="4663440" y="1845735"/>
+            <a:ext cx="3703320" cy="4023360"/>
+          </a:xfrm>
+        </p:spPr>
+        <p:txBody>
+          <a:bodyPr/>
+          <a:lstStyle/>
+          <a:p>
+            <a:pPr lvl="0"/>
+            <a:r>
+              <a:rPr lang="en-US" smtClean="0"/>
+              <a:t>Edit Master text styles</a:t>
+            </a:r>
+          </a:p>
+          <a:p>
+            <a:pPr lvl="1"/>
+            <a:r>
+              <a:rPr lang="en-US" smtClean="0"/>
+              <a:t>Second level</a:t>
+            </a:r>
+          </a:p>
+          <a:p>
+            <a:pPr lvl="2"/>
+            <a:r>
+              <a:rPr lang="en-US" smtClean="0"/>
+              <a:t>Third level</a:t>
+            </a:r>
+          </a:p>
+          <a:p>
+            <a:pPr lvl="3"/>
+            <a:r>
+              <a:rPr lang="en-US" smtClean="0"/>
+              <a:t>Fourth level</a:t>
+            </a:r>
+          </a:p>
+          <a:p>
+            <a:pPr lvl="4"/>
+            <a:r>
+              <a:rPr lang="en-US" smtClean="0"/>
+              <a:t>Fifth level</a:t>
+            </a:r>
+            <a:endParaRPr lang="en-US" dirty="0"/>
           </a:p>
         </p:txBody>
       </p:sp>
@@ -1349,7 +1608,7 @@
           <a:p>
             <a:fld id="{5BCAD085-E8A6-8845-BD4E-CB4CCA059FC4}" type="datetimeFigureOut">
               <a:rPr lang="en-US" smtClean="0"/>
-              <a:t>1/27/13</a:t>
+              <a:t>11/9/2025</a:t>
             </a:fld>
             <a:endParaRPr lang="en-US"/>
           </a:p>
@@ -1400,7 +1659,7 @@
     </p:spTree>
     <p:extLst>
       <p:ext uri="{BB962C8B-B14F-4D97-AF65-F5344CB8AC3E}">
-        <p14:creationId xmlns:p14="http://schemas.microsoft.com/office/powerpoint/2010/main" val="2782244947"/>
+        <p14:creationId xmlns:p14="http://schemas.microsoft.com/office/powerpoint/2010/main" val="3674149363"/>
       </p:ext>
     </p:extLst>
   </p:cSld>
@@ -1429,53 +1688,60 @@
       </p:grpSpPr>
       <p:sp>
         <p:nvSpPr>
-          <p:cNvPr id="2" name="Title 1"/>
+          <p:cNvPr id="10" name="Title 9"/>
           <p:cNvSpPr>
             <a:spLocks noGrp="1"/>
           </p:cNvSpPr>
           <p:nvPr>
             <p:ph type="title"/>
-          </p:nvPr>
-        </p:nvSpPr>
-        <p:spPr/>
-        <p:txBody>
-          <a:bodyPr/>
-          <a:lstStyle>
-            <a:lvl1pPr>
-              <a:defRPr/>
-            </a:lvl1pPr>
-          </a:lstStyle>
-          <a:p>
-            <a:r>
-              <a:rPr lang="en-US" smtClean="0"/>
-              <a:t>Click to edit Master title style</a:t>
-            </a:r>
-            <a:endParaRPr lang="en-US"/>
-          </a:p>
-        </p:txBody>
-      </p:sp>
-      <p:sp>
-        <p:nvSpPr>
-          <p:cNvPr id="3" name="Text Placeholder 2"/>
-          <p:cNvSpPr>
-            <a:spLocks noGrp="1"/>
-          </p:cNvSpPr>
-          <p:nvPr>
-            <p:ph type="body" idx="1"/>
           </p:nvPr>
         </p:nvSpPr>
         <p:spPr>
           <a:xfrm>
-            <a:off x="457200" y="1535113"/>
-            <a:ext cx="4040188" cy="639762"/>
+            <a:off x="822960" y="286604"/>
+            <a:ext cx="7543800" cy="1450757"/>
           </a:xfrm>
         </p:spPr>
         <p:txBody>
-          <a:bodyPr anchor="b"/>
+          <a:bodyPr/>
+          <a:lstStyle/>
+          <a:p>
+            <a:r>
+              <a:rPr lang="en-US" smtClean="0"/>
+              <a:t>Click to edit Master title style</a:t>
+            </a:r>
+            <a:endParaRPr lang="en-US" dirty="0"/>
+          </a:p>
+        </p:txBody>
+      </p:sp>
+      <p:sp>
+        <p:nvSpPr>
+          <p:cNvPr id="3" name="Text Placeholder 2"/>
+          <p:cNvSpPr>
+            <a:spLocks noGrp="1"/>
+          </p:cNvSpPr>
+          <p:nvPr>
+            <p:ph type="body" idx="1"/>
+          </p:nvPr>
+        </p:nvSpPr>
+        <p:spPr>
+          <a:xfrm>
+            <a:off x="822960" y="1846052"/>
+            <a:ext cx="3703320" cy="736282"/>
+          </a:xfrm>
+        </p:spPr>
+        <p:txBody>
+          <a:bodyPr lIns="91440" rIns="91440" anchor="ctr">
+            <a:normAutofit/>
+          </a:bodyPr>
           <a:lstStyle>
             <a:lvl1pPr marL="0" indent="0">
               <a:buNone/>
-              <a:defRPr sz="2400" b="1"/>
+              <a:defRPr sz="2000" b="0" cap="all" baseline="0">
+                <a:solidFill>
+                  <a:schemeClr val="tx2"/>
+                </a:solidFill>
+              </a:defRPr>
             </a:lvl1pPr>
             <a:lvl2pPr marL="457200" indent="0">
               <a:buNone/>
@@ -1514,7 +1780,7 @@
             <a:pPr lvl="0"/>
             <a:r>
               <a:rPr lang="en-US" smtClean="0"/>
-              <a:t>Click to edit Master text styles</a:t>
+              <a:t>Edit Master text styles</a:t>
             </a:r>
           </a:p>
         </p:txBody>
@@ -1531,46 +1797,18 @@
         </p:nvSpPr>
         <p:spPr>
           <a:xfrm>
-            <a:off x="457200" y="2174875"/>
-            <a:ext cx="4040188" cy="3951288"/>
+            <a:off x="822960" y="2582334"/>
+            <a:ext cx="3703320" cy="3378200"/>
           </a:xfrm>
         </p:spPr>
         <p:txBody>
           <a:bodyPr/>
-          <a:lstStyle>
-            <a:lvl1pPr>
-              <a:defRPr sz="2400"/>
-            </a:lvl1pPr>
-            <a:lvl2pPr>
-              <a:defRPr sz="2000"/>
-            </a:lvl2pPr>
-            <a:lvl3pPr>
-              <a:defRPr sz="1800"/>
-            </a:lvl3pPr>
-            <a:lvl4pPr>
-              <a:defRPr sz="1600"/>
-            </a:lvl4pPr>
-            <a:lvl5pPr>
-              <a:defRPr sz="1600"/>
-            </a:lvl5pPr>
-            <a:lvl6pPr>
-              <a:defRPr sz="1600"/>
-            </a:lvl6pPr>
-            <a:lvl7pPr>
-              <a:defRPr sz="1600"/>
-            </a:lvl7pPr>
-            <a:lvl8pPr>
-              <a:defRPr sz="1600"/>
-            </a:lvl8pPr>
-            <a:lvl9pPr>
-              <a:defRPr sz="1600"/>
-            </a:lvl9pPr>
-          </a:lstStyle>
+          <a:lstStyle/>
           <a:p>
             <a:pPr lvl="0"/>
             <a:r>
               <a:rPr lang="en-US" smtClean="0"/>
-              <a:t>Click to edit Master text styles</a:t>
+              <a:t>Edit Master text styles</a:t>
             </a:r>
           </a:p>
           <a:p>
@@ -1600,7 +1838,7 @@
               <a:rPr lang="en-US" smtClean="0"/>
               <a:t>Fifth level</a:t>
             </a:r>
-            <a:endParaRPr lang="en-US"/>
+            <a:endParaRPr lang="en-US" dirty="0"/>
           </a:p>
         </p:txBody>
       </p:sp>
@@ -1616,16 +1854,22 @@
         </p:nvSpPr>
         <p:spPr>
           <a:xfrm>
-            <a:off x="4645025" y="1535113"/>
-            <a:ext cx="4041775" cy="639762"/>
+            <a:off x="4663440" y="1846052"/>
+            <a:ext cx="3703320" cy="736282"/>
           </a:xfrm>
         </p:spPr>
         <p:txBody>
-          <a:bodyPr anchor="b"/>
+          <a:bodyPr lIns="91440" rIns="91440" anchor="ctr">
+            <a:normAutofit/>
+          </a:bodyPr>
           <a:lstStyle>
             <a:lvl1pPr marL="0" indent="0">
               <a:buNone/>
-              <a:defRPr sz="2400" b="1"/>
+              <a:defRPr sz="2000" b="0" cap="all" baseline="0">
+                <a:solidFill>
+                  <a:schemeClr val="tx2"/>
+                </a:solidFill>
+              </a:defRPr>
             </a:lvl1pPr>
             <a:lvl2pPr marL="457200" indent="0">
               <a:buNone/>
@@ -1664,7 +1908,7 @@
             <a:pPr lvl="0"/>
             <a:r>
               <a:rPr lang="en-US" smtClean="0"/>
-              <a:t>Click to edit Master text styles</a:t>
+              <a:t>Edit Master text styles</a:t>
             </a:r>
           </a:p>
         </p:txBody>
@@ -1681,46 +1925,18 @@
         </p:nvSpPr>
         <p:spPr>
           <a:xfrm>
-            <a:off x="4645025" y="2174875"/>
-            <a:ext cx="4041775" cy="3951288"/>
+            <a:off x="4663440" y="2582334"/>
+            <a:ext cx="3703320" cy="3378200"/>
           </a:xfrm>
         </p:spPr>
         <p:txBody>
           <a:bodyPr/>
-          <a:lstStyle>
-            <a:lvl1pPr>
-              <a:defRPr sz="2400"/>
-            </a:lvl1pPr>
-            <a:lvl2pPr>
-              <a:defRPr sz="2000"/>
-            </a:lvl2pPr>
-            <a:lvl3pPr>
-              <a:defRPr sz="1800"/>
-            </a:lvl3pPr>
-            <a:lvl4pPr>
-              <a:defRPr sz="1600"/>
-            </a:lvl4pPr>
-            <a:lvl5pPr>
-              <a:defRPr sz="1600"/>
-            </a:lvl5pPr>
-            <a:lvl6pPr>
-              <a:defRPr sz="1600"/>
-            </a:lvl6pPr>
-            <a:lvl7pPr>
-              <a:defRPr sz="1600"/>
-            </a:lvl7pPr>
-            <a:lvl8pPr>
-              <a:defRPr sz="1600"/>
-            </a:lvl8pPr>
-            <a:lvl9pPr>
-              <a:defRPr sz="1600"/>
-            </a:lvl9pPr>
-          </a:lstStyle>
+          <a:lstStyle/>
           <a:p>
             <a:pPr lvl="0"/>
             <a:r>
               <a:rPr lang="en-US" smtClean="0"/>
-              <a:t>Click to edit Master text styles</a:t>
+              <a:t>Edit Master text styles</a:t>
             </a:r>
           </a:p>
           <a:p>
@@ -1750,7 +1966,7 @@
               <a:rPr lang="en-US" smtClean="0"/>
               <a:t>Fifth level</a:t>
             </a:r>
-            <a:endParaRPr lang="en-US"/>
+            <a:endParaRPr lang="en-US" dirty="0"/>
           </a:p>
         </p:txBody>
       </p:sp>
@@ -1771,7 +1987,7 @@
           <a:p>
             <a:fld id="{5BCAD085-E8A6-8845-BD4E-CB4CCA059FC4}" type="datetimeFigureOut">
               <a:rPr lang="en-US" smtClean="0"/>
-              <a:t>1/27/13</a:t>
+              <a:t>11/9/2025</a:t>
             </a:fld>
             <a:endParaRPr lang="en-US"/>
           </a:p>
@@ -1822,7 +2038,7 @@
     </p:spTree>
     <p:extLst>
       <p:ext uri="{BB962C8B-B14F-4D97-AF65-F5344CB8AC3E}">
-        <p14:creationId xmlns:p14="http://schemas.microsoft.com/office/powerpoint/2010/main" val="990158736"/>
+        <p14:creationId xmlns:p14="http://schemas.microsoft.com/office/powerpoint/2010/main" val="1880279602"/>
       </p:ext>
     </p:extLst>
   </p:cSld>
@@ -1868,7 +2084,7 @@
               <a:rPr lang="en-US" smtClean="0"/>
               <a:t>Click to edit Master title style</a:t>
             </a:r>
-            <a:endParaRPr lang="en-US"/>
+            <a:endParaRPr lang="en-US" dirty="0"/>
           </a:p>
         </p:txBody>
       </p:sp>
@@ -1889,7 +2105,7 @@
           <a:p>
             <a:fld id="{5BCAD085-E8A6-8845-BD4E-CB4CCA059FC4}" type="datetimeFigureOut">
               <a:rPr lang="en-US" smtClean="0"/>
-              <a:t>1/27/13</a:t>
+              <a:t>11/9/2025</a:t>
             </a:fld>
             <a:endParaRPr lang="en-US"/>
           </a:p>
@@ -1940,7 +2156,7 @@
     </p:spTree>
     <p:extLst>
       <p:ext uri="{BB962C8B-B14F-4D97-AF65-F5344CB8AC3E}">
-        <p14:creationId xmlns:p14="http://schemas.microsoft.com/office/powerpoint/2010/main" val="727027711"/>
+        <p14:creationId xmlns:p14="http://schemas.microsoft.com/office/powerpoint/2010/main" val="2121298533"/>
       </p:ext>
     </p:extLst>
   </p:cSld>
@@ -1951,7 +2167,7 @@
 </file>
 
 <file path=ppt/slideLayouts/slideLayout7.xml><?xml version="1.0" encoding="utf-8"?>
-<p:sldLayout xmlns:a="http://schemas.openxmlformats.org/drawingml/2006/main" xmlns:r="http://schemas.openxmlformats.org/officeDocument/2006/relationships" xmlns:p="http://schemas.openxmlformats.org/presentationml/2006/main" type="blank" preserve="1">
+<p:sldLayout xmlns:a="http://schemas.openxmlformats.org/drawingml/2006/main" xmlns:r="http://schemas.openxmlformats.org/officeDocument/2006/relationships" xmlns:p="http://schemas.openxmlformats.org/presentationml/2006/main" showMasterSp="0" type="blank" preserve="1">
   <p:cSld name="Blank">
     <p:spTree>
       <p:nvGrpSpPr>
@@ -1969,7 +2185,83 @@
       </p:grpSpPr>
       <p:sp>
         <p:nvSpPr>
-          <p:cNvPr id="2" name="Date Placeholder 1"/>
+          <p:cNvPr id="5" name="Rectangle 4"/>
+          <p:cNvSpPr/>
+          <p:nvPr/>
+        </p:nvSpPr>
+        <p:spPr>
+          <a:xfrm>
+            <a:off x="2382" y="6400800"/>
+            <a:ext cx="9141619" cy="457200"/>
+          </a:xfrm>
+          <a:prstGeom prst="rect">
+            <a:avLst/>
+          </a:prstGeom>
+          <a:solidFill>
+            <a:schemeClr val="accent2"/>
+          </a:solidFill>
+          <a:ln>
+            <a:noFill/>
+          </a:ln>
+        </p:spPr>
+        <p:style>
+          <a:lnRef idx="2">
+            <a:schemeClr val="accent1">
+              <a:shade val="50000"/>
+            </a:schemeClr>
+          </a:lnRef>
+          <a:fillRef idx="1">
+            <a:schemeClr val="accent1"/>
+          </a:fillRef>
+          <a:effectRef idx="0">
+            <a:schemeClr val="accent1"/>
+          </a:effectRef>
+          <a:fontRef idx="minor">
+            <a:schemeClr val="lt1"/>
+          </a:fontRef>
+        </p:style>
+      </p:sp>
+      <p:sp>
+        <p:nvSpPr>
+          <p:cNvPr id="6" name="Rectangle 5"/>
+          <p:cNvSpPr/>
+          <p:nvPr/>
+        </p:nvSpPr>
+        <p:spPr>
+          <a:xfrm>
+            <a:off x="12" y="6334316"/>
+            <a:ext cx="9141619" cy="64008"/>
+          </a:xfrm>
+          <a:prstGeom prst="rect">
+            <a:avLst/>
+          </a:prstGeom>
+          <a:solidFill>
+            <a:schemeClr val="accent1"/>
+          </a:solidFill>
+          <a:ln>
+            <a:noFill/>
+          </a:ln>
+        </p:spPr>
+        <p:style>
+          <a:lnRef idx="2">
+            <a:schemeClr val="accent1">
+              <a:shade val="50000"/>
+            </a:schemeClr>
+          </a:lnRef>
+          <a:fillRef idx="1">
+            <a:schemeClr val="accent1"/>
+          </a:fillRef>
+          <a:effectRef idx="0">
+            <a:schemeClr val="accent1"/>
+          </a:effectRef>
+          <a:fontRef idx="minor">
+            <a:schemeClr val="lt1"/>
+          </a:fontRef>
+        </p:style>
+      </p:sp>
+      <p:sp>
+        <p:nvSpPr>
+          <p:cNvPr id="7" name="Date Placeholder 6"/>
           <p:cNvSpPr>
             <a:spLocks noGrp="1"/>
           </p:cNvSpPr>
@@ -1984,7 +2276,7 @@
           <a:p>
             <a:fld id="{5BCAD085-E8A6-8845-BD4E-CB4CCA059FC4}" type="datetimeFigureOut">
               <a:rPr lang="en-US" smtClean="0"/>
-              <a:t>1/27/13</a:t>
+              <a:t>11/9/2025</a:t>
             </a:fld>
             <a:endParaRPr lang="en-US"/>
           </a:p>
@@ -1992,7 +2284,7 @@
       </p:sp>
       <p:sp>
         <p:nvSpPr>
-          <p:cNvPr id="3" name="Footer Placeholder 2"/>
+          <p:cNvPr id="8" name="Footer Placeholder 7"/>
           <p:cNvSpPr>
             <a:spLocks noGrp="1"/>
           </p:cNvSpPr>
@@ -2003,7 +2295,15 @@
         <p:spPr/>
         <p:txBody>
           <a:bodyPr/>
-          <a:lstStyle/>
+          <a:lstStyle>
+            <a:lvl1pPr>
+              <a:defRPr>
+                <a:solidFill>
+                  <a:srgbClr val="FFFFFF"/>
+                </a:solidFill>
+              </a:defRPr>
+            </a:lvl1pPr>
+          </a:lstStyle>
           <a:p>
             <a:endParaRPr lang="en-US"/>
           </a:p>
@@ -2011,7 +2311,7 @@
       </p:sp>
       <p:sp>
         <p:nvSpPr>
-          <p:cNvPr id="4" name="Slide Number Placeholder 3"/>
+          <p:cNvPr id="9" name="Slide Number Placeholder 8"/>
           <p:cNvSpPr>
             <a:spLocks noGrp="1"/>
           </p:cNvSpPr>
@@ -2035,7 +2335,7 @@
     </p:spTree>
     <p:extLst>
       <p:ext uri="{BB962C8B-B14F-4D97-AF65-F5344CB8AC3E}">
-        <p14:creationId xmlns:p14="http://schemas.microsoft.com/office/powerpoint/2010/main" val="1212999818"/>
+        <p14:creationId xmlns:p14="http://schemas.microsoft.com/office/powerpoint/2010/main" val="1896070239"/>
       </p:ext>
     </p:extLst>
   </p:cSld>
@@ -2046,7 +2346,7 @@
 </file>
 
 <file path=ppt/slideLayouts/slideLayout8.xml><?xml version="1.0" encoding="utf-8"?>
-<p:sldLayout xmlns:a="http://schemas.openxmlformats.org/drawingml/2006/main" xmlns:r="http://schemas.openxmlformats.org/officeDocument/2006/relationships" xmlns:p="http://schemas.openxmlformats.org/presentationml/2006/main" type="objTx" preserve="1">
+<p:sldLayout xmlns:a="http://schemas.openxmlformats.org/drawingml/2006/main" xmlns:r="http://schemas.openxmlformats.org/officeDocument/2006/relationships" xmlns:p="http://schemas.openxmlformats.org/presentationml/2006/main" showMasterSp="0" type="objTx" preserve="1">
   <p:cSld name="Content with Caption">
     <p:spTree>
       <p:nvGrpSpPr>
@@ -2064,25 +2364,107 @@
       </p:grpSpPr>
       <p:sp>
         <p:nvSpPr>
-          <p:cNvPr id="2" name="Title 1"/>
-          <p:cNvSpPr>
-            <a:spLocks noGrp="1"/>
-          </p:cNvSpPr>
-          <p:nvPr>
-            <p:ph type="title"/>
-          </p:nvPr>
+          <p:cNvPr id="8" name="Rectangle 7"/>
+          <p:cNvSpPr/>
+          <p:nvPr/>
         </p:nvSpPr>
         <p:spPr>
           <a:xfrm>
-            <a:off x="457200" y="273050"/>
-            <a:ext cx="3008313" cy="1162050"/>
+            <a:off x="13" y="0"/>
+            <a:ext cx="3038093" cy="6858000"/>
+          </a:xfrm>
+          <a:prstGeom prst="rect">
+            <a:avLst/>
+          </a:prstGeom>
+          <a:solidFill>
+            <a:schemeClr val="accent2"/>
+          </a:solidFill>
+          <a:ln>
+            <a:noFill/>
+          </a:ln>
+        </p:spPr>
+        <p:style>
+          <a:lnRef idx="2">
+            <a:schemeClr val="accent1">
+              <a:shade val="50000"/>
+            </a:schemeClr>
+          </a:lnRef>
+          <a:fillRef idx="1">
+            <a:schemeClr val="accent1"/>
+          </a:fillRef>
+          <a:effectRef idx="0">
+            <a:schemeClr val="accent1"/>
+          </a:effectRef>
+          <a:fontRef idx="minor">
+            <a:schemeClr val="lt1"/>
+          </a:fontRef>
+        </p:style>
+      </p:sp>
+      <p:sp>
+        <p:nvSpPr>
+          <p:cNvPr id="9" name="Rectangle 8"/>
+          <p:cNvSpPr/>
+          <p:nvPr/>
+        </p:nvSpPr>
+        <p:spPr>
+          <a:xfrm>
+            <a:off x="3030053" y="0"/>
+            <a:ext cx="48006" cy="6858000"/>
+          </a:xfrm>
+          <a:prstGeom prst="rect">
+            <a:avLst/>
+          </a:prstGeom>
+          <a:solidFill>
+            <a:schemeClr val="accent1"/>
+          </a:solidFill>
+          <a:ln>
+            <a:noFill/>
+          </a:ln>
+        </p:spPr>
+        <p:style>
+          <a:lnRef idx="2">
+            <a:schemeClr val="accent1">
+              <a:shade val="50000"/>
+            </a:schemeClr>
+          </a:lnRef>
+          <a:fillRef idx="1">
+            <a:schemeClr val="accent1"/>
+          </a:fillRef>
+          <a:effectRef idx="0">
+            <a:schemeClr val="accent1"/>
+          </a:effectRef>
+          <a:fontRef idx="minor">
+            <a:schemeClr val="lt1"/>
+          </a:fontRef>
+        </p:style>
+      </p:sp>
+      <p:sp>
+        <p:nvSpPr>
+          <p:cNvPr id="2" name="Title 1"/>
+          <p:cNvSpPr>
+            <a:spLocks noGrp="1"/>
+          </p:cNvSpPr>
+          <p:nvPr>
+            <p:ph type="title"/>
+          </p:nvPr>
+        </p:nvSpPr>
+        <p:spPr>
+          <a:xfrm>
+            <a:off x="342900" y="594359"/>
+            <a:ext cx="2400300" cy="2286000"/>
           </a:xfrm>
         </p:spPr>
         <p:txBody>
-          <a:bodyPr anchor="b"/>
+          <a:bodyPr anchor="b">
+            <a:normAutofit/>
+          </a:bodyPr>
           <a:lstStyle>
-            <a:lvl1pPr algn="l">
-              <a:defRPr sz="2000" b="1"/>
+            <a:lvl1pPr>
+              <a:defRPr sz="3600" b="0">
+                <a:solidFill>
+                  <a:srgbClr val="FFFFFF"/>
+                </a:solidFill>
+              </a:defRPr>
             </a:lvl1pPr>
           </a:lstStyle>
           <a:p>
@@ -2090,7 +2472,7 @@
               <a:rPr lang="en-US" smtClean="0"/>
               <a:t>Click to edit Master title style</a:t>
             </a:r>
-            <a:endParaRPr lang="en-US"/>
+            <a:endParaRPr lang="en-US" dirty="0"/>
           </a:p>
         </p:txBody>
       </p:sp>
@@ -2106,46 +2488,18 @@
         </p:nvSpPr>
         <p:spPr>
           <a:xfrm>
-            <a:off x="3575050" y="273050"/>
-            <a:ext cx="5111750" cy="5853113"/>
+            <a:off x="3600450" y="731520"/>
+            <a:ext cx="4869180" cy="5257800"/>
           </a:xfrm>
         </p:spPr>
         <p:txBody>
           <a:bodyPr/>
-          <a:lstStyle>
-            <a:lvl1pPr>
-              <a:defRPr sz="3200"/>
-            </a:lvl1pPr>
-            <a:lvl2pPr>
-              <a:defRPr sz="2800"/>
-            </a:lvl2pPr>
-            <a:lvl3pPr>
-              <a:defRPr sz="2400"/>
-            </a:lvl3pPr>
-            <a:lvl4pPr>
-              <a:defRPr sz="2000"/>
-            </a:lvl4pPr>
-            <a:lvl5pPr>
-              <a:defRPr sz="2000"/>
-            </a:lvl5pPr>
-            <a:lvl6pPr>
-              <a:defRPr sz="2000"/>
-            </a:lvl6pPr>
-            <a:lvl7pPr>
-              <a:defRPr sz="2000"/>
-            </a:lvl7pPr>
-            <a:lvl8pPr>
-              <a:defRPr sz="2000"/>
-            </a:lvl8pPr>
-            <a:lvl9pPr>
-              <a:defRPr sz="2000"/>
-            </a:lvl9pPr>
-          </a:lstStyle>
+          <a:lstStyle/>
           <a:p>
             <a:pPr lvl="0"/>
             <a:r>
               <a:rPr lang="en-US" smtClean="0"/>
-              <a:t>Click to edit Master text styles</a:t>
+              <a:t>Edit Master text styles</a:t>
             </a:r>
           </a:p>
           <a:p>
@@ -2175,7 +2529,7 @@
               <a:rPr lang="en-US" smtClean="0"/>
               <a:t>Fifth level</a:t>
             </a:r>
-            <a:endParaRPr lang="en-US"/>
+            <a:endParaRPr lang="en-US" dirty="0"/>
           </a:p>
         </p:txBody>
       </p:sp>
@@ -2191,16 +2545,22 @@
         </p:nvSpPr>
         <p:spPr>
           <a:xfrm>
-            <a:off x="457200" y="1435100"/>
-            <a:ext cx="3008313" cy="4691063"/>
+            <a:off x="342900" y="2926080"/>
+            <a:ext cx="2400300" cy="3379124"/>
           </a:xfrm>
         </p:spPr>
         <p:txBody>
-          <a:bodyPr/>
+          <a:bodyPr lIns="91440" rIns="91440">
+            <a:normAutofit/>
+          </a:bodyPr>
           <a:lstStyle>
             <a:lvl1pPr marL="0" indent="0">
               <a:buNone/>
-              <a:defRPr sz="1400"/>
+              <a:defRPr sz="1500">
+                <a:solidFill>
+                  <a:srgbClr val="FFFFFF"/>
+                </a:solidFill>
+              </a:defRPr>
             </a:lvl1pPr>
             <a:lvl2pPr marL="457200" indent="0">
               <a:buNone/>
@@ -2239,7 +2599,7 @@
             <a:pPr lvl="0"/>
             <a:r>
               <a:rPr lang="en-US" smtClean="0"/>
-              <a:t>Click to edit Master text styles</a:t>
+              <a:t>Edit Master text styles</a:t>
             </a:r>
           </a:p>
         </p:txBody>
@@ -2254,14 +2614,23 @@
             <p:ph type="dt" sz="half" idx="10"/>
           </p:nvPr>
         </p:nvSpPr>
-        <p:spPr/>
-        <p:txBody>
-          <a:bodyPr/>
-          <a:lstStyle/>
+        <p:spPr>
+          <a:xfrm>
+            <a:off x="349134" y="6459786"/>
+            <a:ext cx="1963883" cy="365125"/>
+          </a:xfrm>
+        </p:spPr>
+        <p:txBody>
+          <a:bodyPr/>
+          <a:lstStyle>
+            <a:lvl1pPr algn="l">
+              <a:defRPr/>
+            </a:lvl1pPr>
+          </a:lstStyle>
           <a:p>
             <a:fld id="{5BCAD085-E8A6-8845-BD4E-CB4CCA059FC4}" type="datetimeFigureOut">
               <a:rPr lang="en-US" smtClean="0"/>
-              <a:t>1/27/13</a:t>
+              <a:t>11/9/2025</a:t>
             </a:fld>
             <a:endParaRPr lang="en-US"/>
           </a:p>
@@ -2277,10 +2646,23 @@
             <p:ph type="ftr" sz="quarter" idx="11"/>
           </p:nvPr>
         </p:nvSpPr>
-        <p:spPr/>
-        <p:txBody>
-          <a:bodyPr/>
-          <a:lstStyle/>
+        <p:spPr>
+          <a:xfrm>
+            <a:off x="3600450" y="6459786"/>
+            <a:ext cx="3486150" cy="365125"/>
+          </a:xfrm>
+        </p:spPr>
+        <p:txBody>
+          <a:bodyPr/>
+          <a:lstStyle>
+            <a:lvl1pPr algn="l">
+              <a:defRPr>
+                <a:solidFill>
+                  <a:schemeClr val="tx2"/>
+                </a:solidFill>
+              </a:defRPr>
+            </a:lvl1pPr>
+          </a:lstStyle>
           <a:p>
             <a:endParaRPr lang="en-US"/>
           </a:p>
@@ -2299,7 +2681,15 @@
         <p:spPr/>
         <p:txBody>
           <a:bodyPr/>
-          <a:lstStyle/>
+          <a:lstStyle>
+            <a:lvl1pPr>
+              <a:defRPr>
+                <a:solidFill>
+                  <a:schemeClr val="tx2"/>
+                </a:solidFill>
+              </a:defRPr>
+            </a:lvl1pPr>
+          </a:lstStyle>
           <a:p>
             <a:fld id="{C1FF6DA9-008F-8B48-92A6-B652298478BF}" type="slidenum">
               <a:rPr lang="en-US" smtClean="0"/>
@@ -2312,7 +2702,7 @@
     </p:spTree>
     <p:extLst>
       <p:ext uri="{BB962C8B-B14F-4D97-AF65-F5344CB8AC3E}">
-        <p14:creationId xmlns:p14="http://schemas.microsoft.com/office/powerpoint/2010/main" val="1840726560"/>
+        <p14:creationId xmlns:p14="http://schemas.microsoft.com/office/powerpoint/2010/main" val="2207254444"/>
       </p:ext>
     </p:extLst>
   </p:cSld>
@@ -2323,7 +2713,7 @@
 </file>
 
 <file path=ppt/slideLayouts/slideLayout9.xml><?xml version="1.0" encoding="utf-8"?>
-<p:sldLayout xmlns:a="http://schemas.openxmlformats.org/drawingml/2006/main" xmlns:r="http://schemas.openxmlformats.org/officeDocument/2006/relationships" xmlns:p="http://schemas.openxmlformats.org/presentationml/2006/main" type="picTx" preserve="1">
+<p:sldLayout xmlns:a="http://schemas.openxmlformats.org/drawingml/2006/main" xmlns:r="http://schemas.openxmlformats.org/officeDocument/2006/relationships" xmlns:p="http://schemas.openxmlformats.org/presentationml/2006/main" showMasterSp="0" type="picTx" preserve="1">
   <p:cSld name="Picture with Caption">
     <p:spTree>
       <p:nvGrpSpPr>
@@ -2341,25 +2731,107 @@
       </p:grpSpPr>
       <p:sp>
         <p:nvSpPr>
-          <p:cNvPr id="2" name="Title 1"/>
-          <p:cNvSpPr>
-            <a:spLocks noGrp="1"/>
-          </p:cNvSpPr>
-          <p:nvPr>
-            <p:ph type="title"/>
-          </p:nvPr>
+          <p:cNvPr id="8" name="Rectangle 7"/>
+          <p:cNvSpPr/>
+          <p:nvPr/>
         </p:nvSpPr>
         <p:spPr>
           <a:xfrm>
-            <a:off x="1792288" y="4800600"/>
-            <a:ext cx="5486400" cy="566738"/>
+            <a:off x="0" y="4953000"/>
+            <a:ext cx="9141619" cy="1905000"/>
+          </a:xfrm>
+          <a:prstGeom prst="rect">
+            <a:avLst/>
+          </a:prstGeom>
+          <a:solidFill>
+            <a:schemeClr val="accent2"/>
+          </a:solidFill>
+          <a:ln>
+            <a:noFill/>
+          </a:ln>
+        </p:spPr>
+        <p:style>
+          <a:lnRef idx="2">
+            <a:schemeClr val="accent1">
+              <a:shade val="50000"/>
+            </a:schemeClr>
+          </a:lnRef>
+          <a:fillRef idx="1">
+            <a:schemeClr val="accent1"/>
+          </a:fillRef>
+          <a:effectRef idx="0">
+            <a:schemeClr val="accent1"/>
+          </a:effectRef>
+          <a:fontRef idx="minor">
+            <a:schemeClr val="lt1"/>
+          </a:fontRef>
+        </p:style>
+      </p:sp>
+      <p:sp>
+        <p:nvSpPr>
+          <p:cNvPr id="9" name="Rectangle 8"/>
+          <p:cNvSpPr/>
+          <p:nvPr/>
+        </p:nvSpPr>
+        <p:spPr>
+          <a:xfrm>
+            <a:off x="12" y="4915076"/>
+            <a:ext cx="9141619" cy="64008"/>
+          </a:xfrm>
+          <a:prstGeom prst="rect">
+            <a:avLst/>
+          </a:prstGeom>
+          <a:solidFill>
+            <a:schemeClr val="accent1"/>
+          </a:solidFill>
+          <a:ln>
+            <a:noFill/>
+          </a:ln>
+        </p:spPr>
+        <p:style>
+          <a:lnRef idx="2">
+            <a:schemeClr val="accent1">
+              <a:shade val="50000"/>
+            </a:schemeClr>
+          </a:lnRef>
+          <a:fillRef idx="1">
+            <a:schemeClr val="accent1"/>
+          </a:fillRef>
+          <a:effectRef idx="0">
+            <a:schemeClr val="accent1"/>
+          </a:effectRef>
+          <a:fontRef idx="minor">
+            <a:schemeClr val="lt1"/>
+          </a:fontRef>
+        </p:style>
+      </p:sp>
+      <p:sp>
+        <p:nvSpPr>
+          <p:cNvPr id="2" name="Title 1"/>
+          <p:cNvSpPr>
+            <a:spLocks noGrp="1"/>
+          </p:cNvSpPr>
+          <p:nvPr>
+            <p:ph type="title"/>
+          </p:nvPr>
+        </p:nvSpPr>
+        <p:spPr>
+          <a:xfrm>
+            <a:off x="822960" y="5074920"/>
+            <a:ext cx="7585234" cy="822960"/>
           </a:xfrm>
         </p:spPr>
         <p:txBody>
-          <a:bodyPr anchor="b"/>
+          <a:bodyPr tIns="0" bIns="0" anchor="b">
+            <a:noAutofit/>
+          </a:bodyPr>
           <a:lstStyle>
-            <a:lvl1pPr algn="l">
-              <a:defRPr sz="2000" b="1"/>
+            <a:lvl1pPr>
+              <a:defRPr sz="3600" b="0">
+                <a:solidFill>
+                  <a:srgbClr val="FFFFFF"/>
+                </a:solidFill>
+              </a:defRPr>
             </a:lvl1pPr>
           </a:lstStyle>
           <a:p>
@@ -2367,7 +2839,7 @@
               <a:rPr lang="en-US" smtClean="0"/>
               <a:t>Click to edit Master title style</a:t>
             </a:r>
-            <a:endParaRPr lang="en-US"/>
+            <a:endParaRPr lang="en-US" dirty="0"/>
           </a:p>
         </p:txBody>
       </p:sp>
@@ -2375,7 +2847,7 @@
         <p:nvSpPr>
           <p:cNvPr id="3" name="Picture Placeholder 2"/>
           <p:cNvSpPr>
-            <a:spLocks noGrp="1"/>
+            <a:spLocks noGrp="1" noChangeAspect="1"/>
           </p:cNvSpPr>
           <p:nvPr>
             <p:ph type="pic" idx="1"/>
@@ -2383,12 +2855,17 @@
         </p:nvSpPr>
         <p:spPr>
           <a:xfrm>
-            <a:off x="1792288" y="612775"/>
-            <a:ext cx="5486400" cy="4114800"/>
+            <a:off x="12" y="0"/>
+            <a:ext cx="9143989" cy="4915076"/>
           </a:xfrm>
+          <a:solidFill>
+            <a:schemeClr val="bg2">
+              <a:lumMod val="90000"/>
+            </a:schemeClr>
+          </a:solidFill>
         </p:spPr>
         <p:txBody>
-          <a:bodyPr/>
+          <a:bodyPr lIns="457200" tIns="457200" anchor="t"/>
           <a:lstStyle>
             <a:lvl1pPr marL="0" indent="0">
               <a:buNone/>
@@ -2428,7 +2905,11 @@
             </a:lvl9pPr>
           </a:lstStyle>
           <a:p>
-            <a:endParaRPr lang="en-US"/>
+            <a:r>
+              <a:rPr lang="en-US" smtClean="0"/>
+              <a:t>Click icon to add picture</a:t>
+            </a:r>
+            <a:endParaRPr lang="en-US" dirty="0"/>
           </a:p>
         </p:txBody>
       </p:sp>
@@ -2444,16 +2925,28 @@
         </p:nvSpPr>
         <p:spPr>
           <a:xfrm>
-            <a:off x="1792288" y="5367338"/>
-            <a:ext cx="5486400" cy="804862"/>
+            <a:off x="822960" y="5907024"/>
+            <a:ext cx="7589520" cy="594360"/>
           </a:xfrm>
         </p:spPr>
         <p:txBody>
-          <a:bodyPr/>
+          <a:bodyPr lIns="91440" tIns="0" rIns="91440" bIns="0">
+            <a:normAutofit/>
+          </a:bodyPr>
           <a:lstStyle>
             <a:lvl1pPr marL="0" indent="0">
-              <a:buNone/>
-              <a:defRPr sz="1400"/>
+              <a:spcBef>
+                <a:spcPts val="0"/>
+              </a:spcBef>
+              <a:spcAft>
+                <a:spcPts val="600"/>
+              </a:spcAft>
+              <a:buNone/>
+              <a:defRPr sz="1500">
+                <a:solidFill>
+                  <a:srgbClr val="FFFFFF"/>
+                </a:solidFill>
+              </a:defRPr>
             </a:lvl1pPr>
             <a:lvl2pPr marL="457200" indent="0">
               <a:buNone/>
@@ -2492,7 +2985,7 @@
             <a:pPr lvl="0"/>
             <a:r>
               <a:rPr lang="en-US" smtClean="0"/>
-              <a:t>Click to edit Master text styles</a:t>
+              <a:t>Edit Master text styles</a:t>
             </a:r>
           </a:p>
         </p:txBody>
@@ -2514,7 +3007,7 @@
           <a:p>
             <a:fld id="{5BCAD085-E8A6-8845-BD4E-CB4CCA059FC4}" type="datetimeFigureOut">
               <a:rPr lang="en-US" smtClean="0"/>
-              <a:t>1/27/13</a:t>
+              <a:t>11/9/2025</a:t>
             </a:fld>
             <a:endParaRPr lang="en-US"/>
           </a:p>
@@ -2565,7 +3058,7 @@
     </p:spTree>
     <p:extLst>
       <p:ext uri="{BB962C8B-B14F-4D97-AF65-F5344CB8AC3E}">
-        <p14:creationId xmlns:p14="http://schemas.microsoft.com/office/powerpoint/2010/main" val="3889236939"/>
+        <p14:creationId xmlns:p14="http://schemas.microsoft.com/office/powerpoint/2010/main" val="4135322067"/>
       </p:ext>
     </p:extLst>
   </p:cSld>
@@ -2599,25 +3092,101 @@
       </p:grpSpPr>
       <p:sp>
         <p:nvSpPr>
-          <p:cNvPr id="2" name="Title Placeholder 1"/>
-          <p:cNvSpPr>
-            <a:spLocks noGrp="1"/>
-          </p:cNvSpPr>
-          <p:nvPr>
-            <p:ph type="title"/>
-          </p:nvPr>
+          <p:cNvPr id="7" name="Rectangle 6"/>
+          <p:cNvSpPr/>
+          <p:nvPr/>
         </p:nvSpPr>
         <p:spPr>
           <a:xfrm>
-            <a:off x="457200" y="274638"/>
-            <a:ext cx="8229600" cy="1143000"/>
+            <a:off x="0" y="6400800"/>
+            <a:ext cx="9144001" cy="457200"/>
+          </a:xfrm>
+          <a:prstGeom prst="rect">
+            <a:avLst/>
+          </a:prstGeom>
+          <a:solidFill>
+            <a:schemeClr val="accent2"/>
+          </a:solidFill>
+          <a:ln>
+            <a:noFill/>
+          </a:ln>
+        </p:spPr>
+        <p:style>
+          <a:lnRef idx="2">
+            <a:schemeClr val="accent1">
+              <a:shade val="50000"/>
+            </a:schemeClr>
+          </a:lnRef>
+          <a:fillRef idx="1">
+            <a:schemeClr val="accent1"/>
+          </a:fillRef>
+          <a:effectRef idx="0">
+            <a:schemeClr val="accent1"/>
+          </a:effectRef>
+          <a:fontRef idx="minor">
+            <a:schemeClr val="lt1"/>
+          </a:fontRef>
+        </p:style>
+      </p:sp>
+      <p:sp>
+        <p:nvSpPr>
+          <p:cNvPr id="9" name="Rectangle 8"/>
+          <p:cNvSpPr/>
+          <p:nvPr/>
+        </p:nvSpPr>
+        <p:spPr>
+          <a:xfrm>
+            <a:off x="0" y="6334315"/>
+            <a:ext cx="9144001" cy="65999"/>
+          </a:xfrm>
+          <a:prstGeom prst="rect">
+            <a:avLst/>
+          </a:prstGeom>
+          <a:solidFill>
+            <a:schemeClr val="accent1"/>
+          </a:solidFill>
+          <a:ln>
+            <a:noFill/>
+          </a:ln>
+        </p:spPr>
+        <p:style>
+          <a:lnRef idx="2">
+            <a:schemeClr val="accent1">
+              <a:shade val="50000"/>
+            </a:schemeClr>
+          </a:lnRef>
+          <a:fillRef idx="1">
+            <a:schemeClr val="accent1"/>
+          </a:fillRef>
+          <a:effectRef idx="0">
+            <a:schemeClr val="accent1"/>
+          </a:effectRef>
+          <a:fontRef idx="minor">
+            <a:schemeClr val="lt1"/>
+          </a:fontRef>
+        </p:style>
+      </p:sp>
+      <p:sp>
+        <p:nvSpPr>
+          <p:cNvPr id="2" name="Title Placeholder 1"/>
+          <p:cNvSpPr>
+            <a:spLocks noGrp="1"/>
+          </p:cNvSpPr>
+          <p:nvPr>
+            <p:ph type="title"/>
+          </p:nvPr>
+        </p:nvSpPr>
+        <p:spPr>
+          <a:xfrm>
+            <a:off x="822960" y="286604"/>
+            <a:ext cx="7543800" cy="1450757"/>
           </a:xfrm>
           <a:prstGeom prst="rect">
             <a:avLst/>
           </a:prstGeom>
         </p:spPr>
         <p:txBody>
-          <a:bodyPr vert="horz" lIns="91440" tIns="45720" rIns="91440" bIns="45720" rtlCol="0" anchor="ctr">
+          <a:bodyPr vert="horz" lIns="91440" tIns="45720" rIns="91440" bIns="45720" rtlCol="0" anchor="b">
             <a:normAutofit/>
           </a:bodyPr>
           <a:lstStyle/>
@@ -2626,7 +3195,7 @@
               <a:rPr lang="en-US" smtClean="0"/>
               <a:t>Click to edit Master title style</a:t>
             </a:r>
-            <a:endParaRPr lang="en-US"/>
+            <a:endParaRPr lang="en-US" dirty="0"/>
           </a:p>
         </p:txBody>
       </p:sp>
@@ -2642,15 +3211,15 @@
         </p:nvSpPr>
         <p:spPr>
           <a:xfrm>
-            <a:off x="457200" y="1600200"/>
-            <a:ext cx="8229600" cy="4525963"/>
+            <a:off x="822959" y="1845734"/>
+            <a:ext cx="7543801" cy="4023360"/>
           </a:xfrm>
           <a:prstGeom prst="rect">
             <a:avLst/>
           </a:prstGeom>
         </p:spPr>
         <p:txBody>
-          <a:bodyPr vert="horz" lIns="91440" tIns="45720" rIns="91440" bIns="45720" rtlCol="0">
+          <a:bodyPr vert="horz" lIns="0" tIns="45720" rIns="0" bIns="45720" rtlCol="0">
             <a:normAutofit/>
           </a:bodyPr>
           <a:lstStyle/>
@@ -2658,7 +3227,7 @@
             <a:pPr lvl="0"/>
             <a:r>
               <a:rPr lang="en-US" smtClean="0"/>
-              <a:t>Click to edit Master text styles</a:t>
+              <a:t>Edit Master text styles</a:t>
             </a:r>
           </a:p>
           <a:p>
@@ -2688,7 +3257,7 @@
               <a:rPr lang="en-US" smtClean="0"/>
               <a:t>Fifth level</a:t>
             </a:r>
-            <a:endParaRPr lang="en-US"/>
+            <a:endParaRPr lang="en-US" dirty="0"/>
           </a:p>
         </p:txBody>
       </p:sp>
@@ -2704,8 +3273,8 @@
         </p:nvSpPr>
         <p:spPr>
           <a:xfrm>
-            <a:off x="457200" y="6356350"/>
-            <a:ext cx="2133600" cy="365125"/>
+            <a:off x="822961" y="6459786"/>
+            <a:ext cx="1854203" cy="365125"/>
           </a:xfrm>
           <a:prstGeom prst="rect">
             <a:avLst/>
@@ -2715,11 +3284,9 @@
           <a:bodyPr vert="horz" lIns="91440" tIns="45720" rIns="91440" bIns="45720" rtlCol="0" anchor="ctr"/>
           <a:lstStyle>
             <a:lvl1pPr algn="l">
-              <a:defRPr sz="1200">
+              <a:defRPr sz="900">
                 <a:solidFill>
-                  <a:schemeClr val="tx1">
-                    <a:tint val="75000"/>
-                  </a:schemeClr>
+                  <a:srgbClr val="FFFFFF"/>
                 </a:solidFill>
               </a:defRPr>
             </a:lvl1pPr>
@@ -2727,7 +3294,7 @@
           <a:p>
             <a:fld id="{5BCAD085-E8A6-8845-BD4E-CB4CCA059FC4}" type="datetimeFigureOut">
               <a:rPr lang="en-US" smtClean="0"/>
-              <a:t>1/27/13</a:t>
+              <a:t>11/9/2025</a:t>
             </a:fld>
             <a:endParaRPr lang="en-US"/>
           </a:p>
@@ -2745,8 +3312,8 @@
         </p:nvSpPr>
         <p:spPr>
           <a:xfrm>
-            <a:off x="3124200" y="6356350"/>
-            <a:ext cx="2895600" cy="365125"/>
+            <a:off x="2764639" y="6459786"/>
+            <a:ext cx="3617103" cy="365125"/>
           </a:xfrm>
           <a:prstGeom prst="rect">
             <a:avLst/>
@@ -2756,11 +3323,9 @@
           <a:bodyPr vert="horz" lIns="91440" tIns="45720" rIns="91440" bIns="45720" rtlCol="0" anchor="ctr"/>
           <a:lstStyle>
             <a:lvl1pPr algn="ctr">
-              <a:defRPr sz="1200">
+              <a:defRPr sz="900" cap="all" baseline="0">
                 <a:solidFill>
-                  <a:schemeClr val="tx1">
-                    <a:tint val="75000"/>
-                  </a:schemeClr>
+                  <a:srgbClr val="FFFFFF"/>
                 </a:solidFill>
               </a:defRPr>
             </a:lvl1pPr>
@@ -2782,8 +3347,8 @@
         </p:nvSpPr>
         <p:spPr>
           <a:xfrm>
-            <a:off x="6553200" y="6356350"/>
-            <a:ext cx="2133600" cy="365125"/>
+            <a:off x="7425344" y="6459786"/>
+            <a:ext cx="984019" cy="365125"/>
           </a:xfrm>
           <a:prstGeom prst="rect">
             <a:avLst/>
@@ -2793,11 +3358,9 @@
           <a:bodyPr vert="horz" lIns="91440" tIns="45720" rIns="91440" bIns="45720" rtlCol="0" anchor="ctr"/>
           <a:lstStyle>
             <a:lvl1pPr algn="r">
-              <a:defRPr sz="1200">
+              <a:defRPr sz="1050">
                 <a:solidFill>
-                  <a:schemeClr val="tx1">
-                    <a:tint val="75000"/>
-                  </a:schemeClr>
+                  <a:srgbClr val="FFFFFF"/>
                 </a:solidFill>
               </a:defRPr>
             </a:lvl1pPr>
@@ -2811,37 +3374,81 @@
           </a:p>
         </p:txBody>
       </p:sp>
+      <p:cxnSp>
+        <p:nvCxnSpPr>
+          <p:cNvPr id="10" name="Straight Connector 9"/>
+          <p:cNvCxnSpPr/>
+          <p:nvPr/>
+        </p:nvCxnSpPr>
+        <p:spPr>
+          <a:xfrm>
+            <a:off x="895149" y="1737845"/>
+            <a:ext cx="7475220" cy="0"/>
+          </a:xfrm>
+          <a:prstGeom prst="line">
+            <a:avLst/>
+          </a:prstGeom>
+          <a:ln w="6350">
+            <a:solidFill>
+              <a:schemeClr val="tx1">
+                <a:lumMod val="50000"/>
+                <a:lumOff val="50000"/>
+              </a:schemeClr>
+            </a:solidFill>
+          </a:ln>
+        </p:spPr>
+        <p:style>
+          <a:lnRef idx="1">
+            <a:schemeClr val="accent1"/>
+          </a:lnRef>
+          <a:fillRef idx="0">
+            <a:schemeClr val="accent1"/>
+          </a:fillRef>
+          <a:effectRef idx="0">
+            <a:schemeClr val="accent1"/>
+          </a:effectRef>
+          <a:fontRef idx="minor">
+            <a:schemeClr val="tx1"/>
+          </a:fontRef>
+        </p:style>
+      </p:cxnSp>
     </p:spTree>
     <p:extLst>
       <p:ext uri="{BB962C8B-B14F-4D97-AF65-F5344CB8AC3E}">
-        <p14:creationId xmlns:p14="http://schemas.microsoft.com/office/powerpoint/2010/main" val="2209977519"/>
+        <p14:creationId xmlns:p14="http://schemas.microsoft.com/office/powerpoint/2010/main" val="955183083"/>
       </p:ext>
     </p:extLst>
   </p:cSld>
   <p:clrMap bg1="lt1" tx1="dk1" bg2="lt2" tx2="dk2" accent1="accent1" accent2="accent2" accent3="accent3" accent4="accent4" accent5="accent5" accent6="accent6" hlink="hlink" folHlink="folHlink"/>
   <p:sldLayoutIdLst>
-    <p:sldLayoutId id="2147483649" r:id="rId1"/>
-    <p:sldLayoutId id="2147483650" r:id="rId2"/>
-    <p:sldLayoutId id="2147483651" r:id="rId3"/>
-    <p:sldLayoutId id="2147483652" r:id="rId4"/>
-    <p:sldLayoutId id="2147483653" r:id="rId5"/>
-    <p:sldLayoutId id="2147483654" r:id="rId6"/>
-    <p:sldLayoutId id="2147483655" r:id="rId7"/>
-    <p:sldLayoutId id="2147483656" r:id="rId8"/>
-    <p:sldLayoutId id="2147483657" r:id="rId9"/>
-    <p:sldLayoutId id="2147483658" r:id="rId10"/>
-    <p:sldLayoutId id="2147483659" r:id="rId11"/>
+    <p:sldLayoutId id="2147484098" r:id="rId1"/>
+    <p:sldLayoutId id="2147484099" r:id="rId2"/>
+    <p:sldLayoutId id="2147484100" r:id="rId3"/>
+    <p:sldLayoutId id="2147484101" r:id="rId4"/>
+    <p:sldLayoutId id="2147484102" r:id="rId5"/>
+    <p:sldLayoutId id="2147484103" r:id="rId6"/>
+    <p:sldLayoutId id="2147484104" r:id="rId7"/>
+    <p:sldLayoutId id="2147484105" r:id="rId8"/>
+    <p:sldLayoutId id="2147484106" r:id="rId9"/>
+    <p:sldLayoutId id="2147484107" r:id="rId10"/>
+    <p:sldLayoutId id="2147484108" r:id="rId11"/>
   </p:sldLayoutIdLst>
   <p:txStyles>
     <p:titleStyle>
-      <a:lvl1pPr algn="ctr" defTabSz="457200" rtl="0" eaLnBrk="1" latinLnBrk="0" hangingPunct="1">
+      <a:lvl1pPr algn="l" defTabSz="914400" rtl="0" eaLnBrk="1" latinLnBrk="0" hangingPunct="1">
+        <a:lnSpc>
+          <a:spcPct val="85000"/>
+        </a:lnSpc>
         <a:spcBef>
           <a:spcPct val="0"/>
         </a:spcBef>
         <a:buNone/>
-        <a:defRPr sz="4400" kern="1200">
+        <a:defRPr sz="4800" kern="1200" spc="-50" baseline="0">
           <a:solidFill>
-            <a:schemeClr val="tx1"/>
+            <a:schemeClr val="tx1">
+              <a:lumMod val="75000"/>
+              <a:lumOff val="25000"/>
+            </a:schemeClr>
           </a:solidFill>
           <a:latin typeface="+mj-lt"/>
           <a:ea typeface="+mj-ea"/>
@@ -2850,135 +3457,244 @@
       </a:lvl1pPr>
     </p:titleStyle>
     <p:bodyStyle>
-      <a:lvl1pPr marL="342900" indent="-342900" algn="l" defTabSz="457200" rtl="0" eaLnBrk="1" latinLnBrk="0" hangingPunct="1">
+      <a:lvl1pPr marL="91440" indent="-91440" algn="l" defTabSz="914400" rtl="0" eaLnBrk="1" latinLnBrk="0" hangingPunct="1">
+        <a:lnSpc>
+          <a:spcPct val="90000"/>
+        </a:lnSpc>
         <a:spcBef>
-          <a:spcPct val="20000"/>
+          <a:spcPts val="1200"/>
         </a:spcBef>
-        <a:buFont typeface="Arial"/>
-        <a:buChar char="•"/>
-        <a:defRPr sz="3200" kern="1200">
+        <a:spcAft>
+          <a:spcPts val="200"/>
+        </a:spcAft>
+        <a:buClr>
+          <a:schemeClr val="accent1"/>
+        </a:buClr>
+        <a:buSzPct val="100000"/>
+        <a:buFont typeface="Calibri" panose="020F0502020204030204" pitchFamily="34" charset="0"/>
+        <a:buChar char=" "/>
+        <a:defRPr sz="2000" kern="1200">
           <a:solidFill>
-            <a:schemeClr val="tx1"/>
+            <a:schemeClr val="tx1">
+              <a:lumMod val="75000"/>
+              <a:lumOff val="25000"/>
+            </a:schemeClr>
           </a:solidFill>
           <a:latin typeface="+mn-lt"/>
           <a:ea typeface="+mn-ea"/>
           <a:cs typeface="+mn-cs"/>
         </a:defRPr>
       </a:lvl1pPr>
-      <a:lvl2pPr marL="742950" indent="-285750" algn="l" defTabSz="457200" rtl="0" eaLnBrk="1" latinLnBrk="0" hangingPunct="1">
+      <a:lvl2pPr marL="384048" indent="-182880" algn="l" defTabSz="914400" rtl="0" eaLnBrk="1" latinLnBrk="0" hangingPunct="1">
+        <a:lnSpc>
+          <a:spcPct val="90000"/>
+        </a:lnSpc>
         <a:spcBef>
-          <a:spcPct val="20000"/>
+          <a:spcPts val="200"/>
         </a:spcBef>
-        <a:buFont typeface="Arial"/>
-        <a:buChar char="–"/>
-        <a:defRPr sz="2800" kern="1200">
+        <a:spcAft>
+          <a:spcPts val="400"/>
+        </a:spcAft>
+        <a:buClr>
+          <a:schemeClr val="accent1"/>
+        </a:buClr>
+        <a:buFont typeface="Calibri" pitchFamily="34" charset="0"/>
+        <a:buChar char="◦"/>
+        <a:defRPr sz="1800" kern="1200">
           <a:solidFill>
-            <a:schemeClr val="tx1"/>
+            <a:schemeClr val="tx1">
+              <a:lumMod val="75000"/>
+              <a:lumOff val="25000"/>
+            </a:schemeClr>
           </a:solidFill>
           <a:latin typeface="+mn-lt"/>
           <a:ea typeface="+mn-ea"/>
           <a:cs typeface="+mn-cs"/>
         </a:defRPr>
       </a:lvl2pPr>
-      <a:lvl3pPr marL="1143000" indent="-228600" algn="l" defTabSz="457200" rtl="0" eaLnBrk="1" latinLnBrk="0" hangingPunct="1">
+      <a:lvl3pPr marL="566928" indent="-182880" algn="l" defTabSz="914400" rtl="0" eaLnBrk="1" latinLnBrk="0" hangingPunct="1">
+        <a:lnSpc>
+          <a:spcPct val="90000"/>
+        </a:lnSpc>
         <a:spcBef>
-          <a:spcPct val="20000"/>
+          <a:spcPts val="200"/>
         </a:spcBef>
-        <a:buFont typeface="Arial"/>
-        <a:buChar char="•"/>
-        <a:defRPr sz="2400" kern="1200">
+        <a:spcAft>
+          <a:spcPts val="400"/>
+        </a:spcAft>
+        <a:buClr>
+          <a:schemeClr val="accent1"/>
+        </a:buClr>
+        <a:buFont typeface="Calibri" pitchFamily="34" charset="0"/>
+        <a:buChar char="◦"/>
+        <a:defRPr sz="1400" kern="1200">
           <a:solidFill>
-            <a:schemeClr val="tx1"/>
+            <a:schemeClr val="tx1">
+              <a:lumMod val="75000"/>
+              <a:lumOff val="25000"/>
+            </a:schemeClr>
           </a:solidFill>
           <a:latin typeface="+mn-lt"/>
           <a:ea typeface="+mn-ea"/>
           <a:cs typeface="+mn-cs"/>
         </a:defRPr>
       </a:lvl3pPr>
-      <a:lvl4pPr marL="1600200" indent="-228600" algn="l" defTabSz="457200" rtl="0" eaLnBrk="1" latinLnBrk="0" hangingPunct="1">
+      <a:lvl4pPr marL="749808" indent="-182880" algn="l" defTabSz="914400" rtl="0" eaLnBrk="1" latinLnBrk="0" hangingPunct="1">
+        <a:lnSpc>
+          <a:spcPct val="90000"/>
+        </a:lnSpc>
         <a:spcBef>
-          <a:spcPct val="20000"/>
+          <a:spcPts val="200"/>
         </a:spcBef>
-        <a:buFont typeface="Arial"/>
-        <a:buChar char="–"/>
-        <a:defRPr sz="2000" kern="1200">
+        <a:spcAft>
+          <a:spcPts val="400"/>
+        </a:spcAft>
+        <a:buClr>
+          <a:schemeClr val="accent1"/>
+        </a:buClr>
+        <a:buFont typeface="Calibri" pitchFamily="34" charset="0"/>
+        <a:buChar char="◦"/>
+        <a:defRPr sz="1400" kern="1200">
           <a:solidFill>
-            <a:schemeClr val="tx1"/>
+            <a:schemeClr val="tx1">
+              <a:lumMod val="75000"/>
+              <a:lumOff val="25000"/>
+            </a:schemeClr>
           </a:solidFill>
           <a:latin typeface="+mn-lt"/>
           <a:ea typeface="+mn-ea"/>
           <a:cs typeface="+mn-cs"/>
         </a:defRPr>
       </a:lvl4pPr>
-      <a:lvl5pPr marL="2057400" indent="-228600" algn="l" defTabSz="457200" rtl="0" eaLnBrk="1" latinLnBrk="0" hangingPunct="1">
+      <a:lvl5pPr marL="932688" indent="-182880" algn="l" defTabSz="914400" rtl="0" eaLnBrk="1" latinLnBrk="0" hangingPunct="1">
+        <a:lnSpc>
+          <a:spcPct val="90000"/>
+        </a:lnSpc>
         <a:spcBef>
-          <a:spcPct val="20000"/>
+          <a:spcPts val="200"/>
         </a:spcBef>
-        <a:buFont typeface="Arial"/>
-        <a:buChar char="»"/>
-        <a:defRPr sz="2000" kern="1200">
+        <a:spcAft>
+          <a:spcPts val="400"/>
+        </a:spcAft>
+        <a:buClr>
+          <a:schemeClr val="accent1"/>
+        </a:buClr>
+        <a:buFont typeface="Calibri" pitchFamily="34" charset="0"/>
+        <a:buChar char="◦"/>
+        <a:defRPr sz="1400" kern="1200">
           <a:solidFill>
-            <a:schemeClr val="tx1"/>
+            <a:schemeClr val="tx1">
+              <a:lumMod val="75000"/>
+              <a:lumOff val="25000"/>
+            </a:schemeClr>
           </a:solidFill>
           <a:latin typeface="+mn-lt"/>
           <a:ea typeface="+mn-ea"/>
           <a:cs typeface="+mn-cs"/>
         </a:defRPr>
       </a:lvl5pPr>
-      <a:lvl6pPr marL="2514600" indent="-228600" algn="l" defTabSz="457200" rtl="0" eaLnBrk="1" latinLnBrk="0" hangingPunct="1">
+      <a:lvl6pPr marL="1100000" indent="-228600" algn="l" defTabSz="914400" rtl="0" eaLnBrk="1" latinLnBrk="0" hangingPunct="1">
+        <a:lnSpc>
+          <a:spcPct val="90000"/>
+        </a:lnSpc>
         <a:spcBef>
-          <a:spcPct val="20000"/>
+          <a:spcPts val="200"/>
         </a:spcBef>
-        <a:buFont typeface="Arial"/>
-        <a:buChar char="•"/>
-        <a:defRPr sz="2000" kern="1200">
+        <a:spcAft>
+          <a:spcPts val="400"/>
+        </a:spcAft>
+        <a:buClr>
+          <a:schemeClr val="accent1"/>
+        </a:buClr>
+        <a:buFont typeface="Calibri" pitchFamily="34" charset="0"/>
+        <a:buChar char="◦"/>
+        <a:defRPr sz="1400" kern="1200">
           <a:solidFill>
-            <a:schemeClr val="tx1"/>
+            <a:schemeClr val="tx1">
+              <a:lumMod val="75000"/>
+              <a:lumOff val="25000"/>
+            </a:schemeClr>
           </a:solidFill>
           <a:latin typeface="+mn-lt"/>
           <a:ea typeface="+mn-ea"/>
           <a:cs typeface="+mn-cs"/>
         </a:defRPr>
       </a:lvl6pPr>
-      <a:lvl7pPr marL="2971800" indent="-228600" algn="l" defTabSz="457200" rtl="0" eaLnBrk="1" latinLnBrk="0" hangingPunct="1">
+      <a:lvl7pPr marL="1300000" indent="-228600" algn="l" defTabSz="914400" rtl="0" eaLnBrk="1" latinLnBrk="0" hangingPunct="1">
+        <a:lnSpc>
+          <a:spcPct val="90000"/>
+        </a:lnSpc>
         <a:spcBef>
-          <a:spcPct val="20000"/>
+          <a:spcPts val="200"/>
         </a:spcBef>
-        <a:buFont typeface="Arial"/>
-        <a:buChar char="•"/>
-        <a:defRPr sz="2000" kern="1200">
+        <a:spcAft>
+          <a:spcPts val="400"/>
+        </a:spcAft>
+        <a:buClr>
+          <a:schemeClr val="accent1"/>
+        </a:buClr>
+        <a:buFont typeface="Calibri" pitchFamily="34" charset="0"/>
+        <a:buChar char="◦"/>
+        <a:defRPr sz="1400" kern="1200">
           <a:solidFill>
-            <a:schemeClr val="tx1"/>
+            <a:schemeClr val="tx1">
+              <a:lumMod val="75000"/>
+              <a:lumOff val="25000"/>
+            </a:schemeClr>
           </a:solidFill>
           <a:latin typeface="+mn-lt"/>
           <a:ea typeface="+mn-ea"/>
           <a:cs typeface="+mn-cs"/>
         </a:defRPr>
       </a:lvl7pPr>
-      <a:lvl8pPr marL="3429000" indent="-228600" algn="l" defTabSz="457200" rtl="0" eaLnBrk="1" latinLnBrk="0" hangingPunct="1">
+      <a:lvl8pPr marL="1500000" indent="-228600" algn="l" defTabSz="914400" rtl="0" eaLnBrk="1" latinLnBrk="0" hangingPunct="1">
+        <a:lnSpc>
+          <a:spcPct val="90000"/>
+        </a:lnSpc>
         <a:spcBef>
-          <a:spcPct val="20000"/>
+          <a:spcPts val="200"/>
         </a:spcBef>
-        <a:buFont typeface="Arial"/>
-        <a:buChar char="•"/>
-        <a:defRPr sz="2000" kern="1200">
+        <a:spcAft>
+          <a:spcPts val="400"/>
+        </a:spcAft>
+        <a:buClr>
+          <a:schemeClr val="accent1"/>
+        </a:buClr>
+        <a:buFont typeface="Calibri" pitchFamily="34" charset="0"/>
+        <a:buChar char="◦"/>
+        <a:defRPr sz="1400" kern="1200">
           <a:solidFill>
-            <a:schemeClr val="tx1"/>
+            <a:schemeClr val="tx1">
+              <a:lumMod val="75000"/>
+              <a:lumOff val="25000"/>
+            </a:schemeClr>
           </a:solidFill>
           <a:latin typeface="+mn-lt"/>
           <a:ea typeface="+mn-ea"/>
           <a:cs typeface="+mn-cs"/>
         </a:defRPr>
       </a:lvl8pPr>
-      <a:lvl9pPr marL="3886200" indent="-228600" algn="l" defTabSz="457200" rtl="0" eaLnBrk="1" latinLnBrk="0" hangingPunct="1">
+      <a:lvl9pPr marL="1700000" indent="-228600" algn="l" defTabSz="914400" rtl="0" eaLnBrk="1" latinLnBrk="0" hangingPunct="1">
+        <a:lnSpc>
+          <a:spcPct val="90000"/>
+        </a:lnSpc>
         <a:spcBef>
-          <a:spcPct val="20000"/>
+          <a:spcPts val="200"/>
         </a:spcBef>
-        <a:buFont typeface="Arial"/>
-        <a:buChar char="•"/>
-        <a:defRPr sz="2000" kern="1200">
+        <a:spcAft>
+          <a:spcPts val="400"/>
+        </a:spcAft>
+        <a:buClr>
+          <a:schemeClr val="accent1"/>
+        </a:buClr>
+        <a:buFont typeface="Calibri" pitchFamily="34" charset="0"/>
+        <a:buChar char="◦"/>
+        <a:defRPr sz="1400" kern="1200">
           <a:solidFill>
-            <a:schemeClr val="tx1"/>
+            <a:schemeClr val="tx1">
+              <a:lumMod val="75000"/>
+              <a:lumOff val="25000"/>
+            </a:schemeClr>
           </a:solidFill>
           <a:latin typeface="+mn-lt"/>
           <a:ea typeface="+mn-ea"/>
@@ -2990,7 +3706,7 @@
       <a:defPPr>
         <a:defRPr lang="en-US"/>
       </a:defPPr>
-      <a:lvl1pPr marL="0" algn="l" defTabSz="457200" rtl="0" eaLnBrk="1" latinLnBrk="0" hangingPunct="1">
+      <a:lvl1pPr marL="0" algn="l" defTabSz="914400" rtl="0" eaLnBrk="1" latinLnBrk="0" hangingPunct="1">
         <a:defRPr sz="1800" kern="1200">
           <a:solidFill>
             <a:schemeClr val="tx1"/>
@@ -3000,7 +3716,7 @@
           <a:cs typeface="+mn-cs"/>
         </a:defRPr>
       </a:lvl1pPr>
-      <a:lvl2pPr marL="457200" algn="l" defTabSz="457200" rtl="0" eaLnBrk="1" latinLnBrk="0" hangingPunct="1">
+      <a:lvl2pPr marL="457200" algn="l" defTabSz="914400" rtl="0" eaLnBrk="1" latinLnBrk="0" hangingPunct="1">
         <a:defRPr sz="1800" kern="1200">
           <a:solidFill>
             <a:schemeClr val="tx1"/>
@@ -3010,7 +3726,7 @@
           <a:cs typeface="+mn-cs"/>
         </a:defRPr>
       </a:lvl2pPr>
-      <a:lvl3pPr marL="914400" algn="l" defTabSz="457200" rtl="0" eaLnBrk="1" latinLnBrk="0" hangingPunct="1">
+      <a:lvl3pPr marL="914400" algn="l" defTabSz="914400" rtl="0" eaLnBrk="1" latinLnBrk="0" hangingPunct="1">
         <a:defRPr sz="1800" kern="1200">
           <a:solidFill>
             <a:schemeClr val="tx1"/>
@@ -3020,7 +3736,7 @@
           <a:cs typeface="+mn-cs"/>
         </a:defRPr>
       </a:lvl3pPr>
-      <a:lvl4pPr marL="1371600" algn="l" defTabSz="457200" rtl="0" eaLnBrk="1" latinLnBrk="0" hangingPunct="1">
+      <a:lvl4pPr marL="1371600" algn="l" defTabSz="914400" rtl="0" eaLnBrk="1" latinLnBrk="0" hangingPunct="1">
         <a:defRPr sz="1800" kern="1200">
           <a:solidFill>
             <a:schemeClr val="tx1"/>
@@ -3030,7 +3746,7 @@
           <a:cs typeface="+mn-cs"/>
         </a:defRPr>
       </a:lvl4pPr>
-      <a:lvl5pPr marL="1828800" algn="l" defTabSz="457200" rtl="0" eaLnBrk="1" latinLnBrk="0" hangingPunct="1">
+      <a:lvl5pPr marL="1828800" algn="l" defTabSz="914400" rtl="0" eaLnBrk="1" latinLnBrk="0" hangingPunct="1">
         <a:defRPr sz="1800" kern="1200">
           <a:solidFill>
             <a:schemeClr val="tx1"/>
@@ -3040,7 +3756,7 @@
           <a:cs typeface="+mn-cs"/>
         </a:defRPr>
       </a:lvl5pPr>
-      <a:lvl6pPr marL="2286000" algn="l" defTabSz="457200" rtl="0" eaLnBrk="1" latinLnBrk="0" hangingPunct="1">
+      <a:lvl6pPr marL="2286000" algn="l" defTabSz="914400" rtl="0" eaLnBrk="1" latinLnBrk="0" hangingPunct="1">
         <a:defRPr sz="1800" kern="1200">
           <a:solidFill>
             <a:schemeClr val="tx1"/>
@@ -3050,7 +3766,7 @@
           <a:cs typeface="+mn-cs"/>
         </a:defRPr>
       </a:lvl6pPr>
-      <a:lvl7pPr marL="2743200" algn="l" defTabSz="457200" rtl="0" eaLnBrk="1" latinLnBrk="0" hangingPunct="1">
+      <a:lvl7pPr marL="2743200" algn="l" defTabSz="914400" rtl="0" eaLnBrk="1" latinLnBrk="0" hangingPunct="1">
         <a:defRPr sz="1800" kern="1200">
           <a:solidFill>
             <a:schemeClr val="tx1"/>
@@ -3060,7 +3776,7 @@
           <a:cs typeface="+mn-cs"/>
         </a:defRPr>
       </a:lvl7pPr>
-      <a:lvl8pPr marL="3200400" algn="l" defTabSz="457200" rtl="0" eaLnBrk="1" latinLnBrk="0" hangingPunct="1">
+      <a:lvl8pPr marL="3200400" algn="l" defTabSz="914400" rtl="0" eaLnBrk="1" latinLnBrk="0" hangingPunct="1">
         <a:defRPr sz="1800" kern="1200">
           <a:solidFill>
             <a:schemeClr val="tx1"/>
@@ -3070,7 +3786,7 @@
           <a:cs typeface="+mn-cs"/>
         </a:defRPr>
       </a:lvl8pPr>
-      <a:lvl9pPr marL="3657600" algn="l" defTabSz="457200" rtl="0" eaLnBrk="1" latinLnBrk="0" hangingPunct="1">
+      <a:lvl9pPr marL="3657600" algn="l" defTabSz="914400" rtl="0" eaLnBrk="1" latinLnBrk="0" hangingPunct="1">
         <a:defRPr sz="1800" kern="1200">
           <a:solidFill>
             <a:schemeClr val="tx1"/>
@@ -3086,7 +3802,7 @@
 </file>
 
 <file path=ppt/slides/slide1.xml><?xml version="1.0" encoding="utf-8"?>
-<p:sld xmlns:a="http://schemas.openxmlformats.org/drawingml/2006/main" xmlns:p="http://schemas.openxmlformats.org/presentationml/2006/main" xmlns:r="http://schemas.openxmlformats.org/officeDocument/2006/relationships">
+<p:sld xmlns:a="http://schemas.openxmlformats.org/drawingml/2006/main" xmlns:r="http://schemas.openxmlformats.org/officeDocument/2006/relationships" xmlns:p="http://schemas.openxmlformats.org/presentationml/2006/main">
   <p:cSld>
     <p:spTree>
       <p:nvGrpSpPr>
@@ -3094,7 +3810,14 @@
         <p:cNvGrpSpPr/>
         <p:nvPr/>
       </p:nvGrpSpPr>
-      <p:grpSpPr/>
+      <p:grpSpPr>
+        <a:xfrm>
+          <a:off x="0" y="0"/>
+          <a:ext cx="0" cy="0"/>
+          <a:chOff x="0" y="0"/>
+          <a:chExt cx="0" cy="0"/>
+        </a:xfrm>
+      </p:grpSpPr>
       <p:sp>
         <p:nvSpPr>
           <p:cNvPr id="2" name="Title 1"/>
@@ -3107,7 +3830,9 @@
         </p:nvSpPr>
         <p:spPr/>
         <p:txBody>
-          <a:bodyPr/>
+          <a:bodyPr>
+            <a:normAutofit fontScale="90000"/>
+          </a:bodyPr>
           <a:lstStyle/>
           <a:p>
             <a:r>
@@ -3151,7 +3876,7 @@
 </file>
 
 <file path=ppt/slides/slide2.xml><?xml version="1.0" encoding="utf-8"?>
-<p:sld xmlns:a="http://schemas.openxmlformats.org/drawingml/2006/main" xmlns:p="http://schemas.openxmlformats.org/presentationml/2006/main" xmlns:r="http://schemas.openxmlformats.org/officeDocument/2006/relationships">
+<p:sld xmlns:a="http://schemas.openxmlformats.org/drawingml/2006/main" xmlns:r="http://schemas.openxmlformats.org/officeDocument/2006/relationships" xmlns:p="http://schemas.openxmlformats.org/presentationml/2006/main">
   <p:cSld>
     <p:spTree>
       <p:nvGrpSpPr>
@@ -3159,7 +3884,14 @@
         <p:cNvGrpSpPr/>
         <p:nvPr/>
       </p:nvGrpSpPr>
-      <p:grpSpPr/>
+      <p:grpSpPr>
+        <a:xfrm>
+          <a:off x="0" y="0"/>
+          <a:ext cx="0" cy="0"/>
+          <a:chOff x="0" y="0"/>
+          <a:chExt cx="0" cy="0"/>
+        </a:xfrm>
+      </p:grpSpPr>
       <p:sp>
         <p:nvSpPr>
           <p:cNvPr id="2" name="Title 1"/>
@@ -3211,7 +3943,7 @@
 </file>
 
 <file path=ppt/slides/slide3.xml><?xml version="1.0" encoding="utf-8"?>
-<p:sld xmlns:a="http://schemas.openxmlformats.org/drawingml/2006/main" xmlns:p="http://schemas.openxmlformats.org/presentationml/2006/main" xmlns:r="http://schemas.openxmlformats.org/officeDocument/2006/relationships">
+<p:sld xmlns:a="http://schemas.openxmlformats.org/drawingml/2006/main" xmlns:r="http://schemas.openxmlformats.org/officeDocument/2006/relationships" xmlns:p="http://schemas.openxmlformats.org/presentationml/2006/main">
   <p:cSld>
     <p:spTree>
       <p:nvGrpSpPr>
@@ -3219,7 +3951,14 @@
         <p:cNvGrpSpPr/>
         <p:nvPr/>
       </p:nvGrpSpPr>
-      <p:grpSpPr/>
+      <p:grpSpPr>
+        <a:xfrm>
+          <a:off x="0" y="0"/>
+          <a:ext cx="0" cy="0"/>
+          <a:chOff x="0" y="0"/>
+          <a:chExt cx="0" cy="0"/>
+        </a:xfrm>
+      </p:grpSpPr>
       <p:sp>
         <p:nvSpPr>
           <p:cNvPr id="2" name="Title 1"/>
@@ -3255,21 +3994,20 @@
         <p:txBody>
           <a:bodyPr wrap="square"/>
           <a:lstStyle/>
-          <a:p/>
-          <a:p>
-            <a:pPr/>
+          <a:p>
+            <a:endParaRPr/>
+          </a:p>
+          <a:p>
             <a:r>
               <a:t>Total Records: 1016</a:t>
             </a:r>
           </a:p>
           <a:p>
-            <a:pPr/>
             <a:r>
               <a:t>Columns: TIME, GEO, UNIT, SEX, AGE, ICD10, Value</a:t>
             </a:r>
           </a:p>
           <a:p>
-            <a:pPr/>
             <a:r>
               <a:t>Source: Eurostat / Open Data Portal</a:t>
             </a:r>
@@ -3285,7 +4023,7 @@
 </file>
 
 <file path=ppt/slides/slide4.xml><?xml version="1.0" encoding="utf-8"?>
-<p:sld xmlns:a="http://schemas.openxmlformats.org/drawingml/2006/main" xmlns:p="http://schemas.openxmlformats.org/presentationml/2006/main" xmlns:r="http://schemas.openxmlformats.org/officeDocument/2006/relationships">
+<p:sld xmlns:a="http://schemas.openxmlformats.org/drawingml/2006/main" xmlns:r="http://schemas.openxmlformats.org/officeDocument/2006/relationships" xmlns:p="http://schemas.openxmlformats.org/presentationml/2006/main">
   <p:cSld>
     <p:spTree>
       <p:nvGrpSpPr>
@@ -3293,7 +4031,14 @@
         <p:cNvGrpSpPr/>
         <p:nvPr/>
       </p:nvGrpSpPr>
-      <p:grpSpPr/>
+      <p:grpSpPr>
+        <a:xfrm>
+          <a:off x="0" y="0"/>
+          <a:ext cx="0" cy="0"/>
+          <a:chOff x="0" y="0"/>
+          <a:chExt cx="0" cy="0"/>
+        </a:xfrm>
+      </p:grpSpPr>
       <p:sp>
         <p:nvSpPr>
           <p:cNvPr id="2" name="Title 1"/>
@@ -3329,33 +4074,30 @@
         <p:txBody>
           <a:bodyPr wrap="square"/>
           <a:lstStyle/>
-          <a:p/>
-          <a:p>
-            <a:pPr/>
+          <a:p>
+            <a:endParaRPr/>
+          </a:p>
+          <a:p>
             <a:r>
               <a:t>Removed column: 'Flag and Footnotes'</a:t>
             </a:r>
           </a:p>
           <a:p>
-            <a:pPr/>
             <a:r>
               <a:t>Replaced ':' with NaN</a:t>
             </a:r>
           </a:p>
           <a:p>
-            <a:pPr/>
             <a:r>
               <a:t>Removed spaces in 'Value' column</a:t>
             </a:r>
           </a:p>
           <a:p>
-            <a:pPr/>
             <a:r>
               <a:t>Converted 'Value' to float</a:t>
             </a:r>
           </a:p>
           <a:p>
-            <a:pPr/>
             <a:r>
               <a:t>Dropped rows with missing values</a:t>
             </a:r>
@@ -3371,7 +4113,7 @@
 </file>
 
 <file path=ppt/slides/slide5.xml><?xml version="1.0" encoding="utf-8"?>
-<p:sld xmlns:a="http://schemas.openxmlformats.org/drawingml/2006/main" xmlns:p="http://schemas.openxmlformats.org/presentationml/2006/main" xmlns:r="http://schemas.openxmlformats.org/officeDocument/2006/relationships">
+<p:sld xmlns:a="http://schemas.openxmlformats.org/drawingml/2006/main" xmlns:r="http://schemas.openxmlformats.org/officeDocument/2006/relationships" xmlns:p="http://schemas.openxmlformats.org/presentationml/2006/main">
   <p:cSld>
     <p:spTree>
       <p:nvGrpSpPr>
@@ -3379,7 +4121,14 @@
         <p:cNvGrpSpPr/>
         <p:nvPr/>
       </p:nvGrpSpPr>
-      <p:grpSpPr/>
+      <p:grpSpPr>
+        <a:xfrm>
+          <a:off x="0" y="0"/>
+          <a:ext cx="0" cy="0"/>
+          <a:chOff x="0" y="0"/>
+          <a:chExt cx="0" cy="0"/>
+        </a:xfrm>
+      </p:grpSpPr>
       <p:sp>
         <p:nvSpPr>
           <p:cNvPr id="2" name="Title 1"/>
@@ -3415,21 +4164,20 @@
         <p:txBody>
           <a:bodyPr wrap="square"/>
           <a:lstStyle/>
-          <a:p/>
-          <a:p>
-            <a:pPr/>
+          <a:p>
+            <a:endParaRPr/>
+          </a:p>
+          <a:p>
             <a:r>
               <a:t>Algorithm: Linear Regression</a:t>
             </a:r>
           </a:p>
           <a:p>
-            <a:pPr/>
             <a:r>
               <a:t>Libraries: pandas, scikit-learn, matplotlib</a:t>
             </a:r>
           </a:p>
           <a:p>
-            <a:pPr/>
             <a:r>
               <a:t>Train-Test Split: 80%-20%</a:t>
             </a:r>
@@ -3445,7 +4193,7 @@
 </file>
 
 <file path=ppt/slides/slide6.xml><?xml version="1.0" encoding="utf-8"?>
-<p:sld xmlns:a="http://schemas.openxmlformats.org/drawingml/2006/main" xmlns:p="http://schemas.openxmlformats.org/presentationml/2006/main" xmlns:r="http://schemas.openxmlformats.org/officeDocument/2006/relationships">
+<p:sld xmlns:a="http://schemas.openxmlformats.org/drawingml/2006/main" xmlns:r="http://schemas.openxmlformats.org/officeDocument/2006/relationships" xmlns:p="http://schemas.openxmlformats.org/presentationml/2006/main">
   <p:cSld>
     <p:spTree>
       <p:nvGrpSpPr>
@@ -3453,7 +4201,14 @@
         <p:cNvGrpSpPr/>
         <p:nvPr/>
       </p:nvGrpSpPr>
-      <p:grpSpPr/>
+      <p:grpSpPr>
+        <a:xfrm>
+          <a:off x="0" y="0"/>
+          <a:ext cx="0" cy="0"/>
+          <a:chOff x="0" y="0"/>
+          <a:chExt cx="0" cy="0"/>
+        </a:xfrm>
+      </p:grpSpPr>
       <p:sp>
         <p:nvSpPr>
           <p:cNvPr id="2" name="Title 1"/>
@@ -3489,15 +4244,15 @@
         <p:txBody>
           <a:bodyPr wrap="square"/>
           <a:lstStyle/>
-          <a:p/>
-          <a:p>
-            <a:pPr/>
+          <a:p>
+            <a:endParaRPr/>
+          </a:p>
+          <a:p>
             <a:r>
               <a:t>R² Score: -0.0013</a:t>
             </a:r>
           </a:p>
           <a:p>
-            <a:pPr/>
             <a:r>
               <a:t>Mean Absolute Error: 14884.65</a:t>
             </a:r>
@@ -3513,7 +4268,7 @@
 </file>
 
 <file path=ppt/slides/slide7.xml><?xml version="1.0" encoding="utf-8"?>
-<p:sld xmlns:a="http://schemas.openxmlformats.org/drawingml/2006/main" xmlns:p="http://schemas.openxmlformats.org/presentationml/2006/main" xmlns:r="http://schemas.openxmlformats.org/officeDocument/2006/relationships">
+<p:sld xmlns:a="http://schemas.openxmlformats.org/drawingml/2006/main" xmlns:r="http://schemas.openxmlformats.org/officeDocument/2006/relationships" xmlns:p="http://schemas.openxmlformats.org/presentationml/2006/main">
   <p:cSld>
     <p:spTree>
       <p:nvGrpSpPr>
@@ -3521,7 +4276,14 @@
         <p:cNvGrpSpPr/>
         <p:nvPr/>
       </p:nvGrpSpPr>
-      <p:grpSpPr/>
+      <p:grpSpPr>
+        <a:xfrm>
+          <a:off x="0" y="0"/>
+          <a:ext cx="0" cy="0"/>
+          <a:chOff x="0" y="0"/>
+          <a:chExt cx="0" cy="0"/>
+        </a:xfrm>
+      </p:grpSpPr>
       <p:sp>
         <p:nvSpPr>
           <p:cNvPr id="2" name="Title 1"/>
@@ -3576,7 +4338,7 @@
 </file>
 
 <file path=ppt/slides/slide8.xml><?xml version="1.0" encoding="utf-8"?>
-<p:sld xmlns:a="http://schemas.openxmlformats.org/drawingml/2006/main" xmlns:p="http://schemas.openxmlformats.org/presentationml/2006/main" xmlns:r="http://schemas.openxmlformats.org/officeDocument/2006/relationships">
+<p:sld xmlns:a="http://schemas.openxmlformats.org/drawingml/2006/main" xmlns:r="http://schemas.openxmlformats.org/officeDocument/2006/relationships" xmlns:p="http://schemas.openxmlformats.org/presentationml/2006/main">
   <p:cSld>
     <p:spTree>
       <p:nvGrpSpPr>
@@ -3584,7 +4346,14 @@
         <p:cNvGrpSpPr/>
         <p:nvPr/>
       </p:nvGrpSpPr>
-      <p:grpSpPr/>
+      <p:grpSpPr>
+        <a:xfrm>
+          <a:off x="0" y="0"/>
+          <a:ext cx="0" cy="0"/>
+          <a:chOff x="0" y="0"/>
+          <a:chExt cx="0" cy="0"/>
+        </a:xfrm>
+      </p:grpSpPr>
       <p:sp>
         <p:nvSpPr>
           <p:cNvPr id="2" name="Title 1"/>
@@ -3620,21 +4389,20 @@
         <p:txBody>
           <a:bodyPr wrap="square"/>
           <a:lstStyle/>
-          <a:p/>
-          <a:p>
-            <a:pPr/>
+          <a:p>
+            <a:endParaRPr/>
+          </a:p>
+          <a:p>
             <a:r>
               <a:t>Linear Regression effectively analyzed yearly death trends.</a:t>
             </a:r>
           </a:p>
           <a:p>
-            <a:pPr/>
             <a:r>
               <a:t>Shows measurable correlation between year and deaths.</a:t>
             </a:r>
           </a:p>
           <a:p>
-            <a:pPr/>
             <a:r>
               <a:t>Future improvements: include cause type, gender, or region data.</a:t>
             </a:r>
@@ -3650,9 +4418,9 @@
 </file>
 
 <file path=ppt/theme/theme1.xml><?xml version="1.0" encoding="utf-8"?>
-<a:theme xmlns:a="http://schemas.openxmlformats.org/drawingml/2006/main" name="Office Theme">
+<a:theme xmlns:a="http://schemas.openxmlformats.org/drawingml/2006/main" name="Retrospect">
   <a:themeElements>
-    <a:clrScheme name="Office">
+    <a:clrScheme name="Retrospect">
       <a:dk1>
         <a:sysClr val="windowText" lastClr="000000"/>
       </a:dk1>
@@ -3660,39 +4428,39 @@
         <a:sysClr val="window" lastClr="FFFFFF"/>
       </a:lt1>
       <a:dk2>
-        <a:srgbClr val="1F497D"/>
+        <a:srgbClr val="455F51"/>
       </a:dk2>
       <a:lt2>
-        <a:srgbClr val="EEECE1"/>
+        <a:srgbClr val="E2DFCC"/>
       </a:lt2>
       <a:accent1>
-        <a:srgbClr val="4F81BD"/>
+        <a:srgbClr val="99CB38"/>
       </a:accent1>
       <a:accent2>
-        <a:srgbClr val="C0504D"/>
+        <a:srgbClr val="63A537"/>
       </a:accent2>
       <a:accent3>
-        <a:srgbClr val="9BBB59"/>
+        <a:srgbClr val="37A76F"/>
       </a:accent3>
       <a:accent4>
-        <a:srgbClr val="8064A2"/>
+        <a:srgbClr val="44C1A3"/>
       </a:accent4>
       <a:accent5>
-        <a:srgbClr val="4BACC6"/>
+        <a:srgbClr val="4EB3CF"/>
       </a:accent5>
       <a:accent6>
-        <a:srgbClr val="F79646"/>
+        <a:srgbClr val="51C3F9"/>
       </a:accent6>
       <a:hlink>
-        <a:srgbClr val="0000FF"/>
+        <a:srgbClr val="6B9F25"/>
       </a:hlink>
       <a:folHlink>
-        <a:srgbClr val="800080"/>
+        <a:srgbClr val="B26B02"/>
       </a:folHlink>
     </a:clrScheme>
-    <a:fontScheme name="Office">
+    <a:fontScheme name="Retrospect">
       <a:majorFont>
-        <a:latin typeface="Calibri"/>
+        <a:latin typeface="Calibri Light" panose="020F0302020204030204"/>
         <a:ea typeface=""/>
         <a:cs typeface=""/>
         <a:font script="Jpan" typeface="ＭＳ Ｐゴシック"/>
@@ -3727,7 +4495,7 @@
         <a:font script="Geor" typeface="Sylfaen"/>
       </a:majorFont>
       <a:minorFont>
-        <a:latin typeface="Calibri"/>
+        <a:latin typeface="Calibri" panose="020F0502020204030204"/>
         <a:ea typeface=""/>
         <a:cs typeface=""/>
         <a:font script="Jpan" typeface="ＭＳ Ｐゴシック"/>
@@ -3762,7 +4530,7 @@
         <a:font script="Geor" typeface="Sylfaen"/>
       </a:minorFont>
     </a:fontScheme>
-    <a:fmtScheme name="Office">
+    <a:fmtScheme name="Retrospect">
       <a:fillStyleLst>
         <a:solidFill>
           <a:schemeClr val="phClr"/>
@@ -3771,52 +4539,73 @@
           <a:gsLst>
             <a:gs pos="0">
               <a:schemeClr val="phClr">
-                <a:tint val="50000"/>
-                <a:satMod val="300000"/>
+                <a:tint val="65000"/>
+                <a:shade val="92000"/>
+                <a:satMod val="130000"/>
               </a:schemeClr>
             </a:gs>
-            <a:gs pos="35000">
+            <a:gs pos="45000">
               <a:schemeClr val="phClr">
-                <a:tint val="37000"/>
-                <a:satMod val="300000"/>
+                <a:tint val="60000"/>
+                <a:shade val="99000"/>
+                <a:satMod val="120000"/>
               </a:schemeClr>
             </a:gs>
             <a:gs pos="100000">
               <a:schemeClr val="phClr">
-                <a:tint val="15000"/>
-                <a:satMod val="350000"/>
+                <a:tint val="55000"/>
+                <a:satMod val="140000"/>
               </a:schemeClr>
             </a:gs>
           </a:gsLst>
-          <a:lin ang="16200000" scaled="1"/>
+          <a:path path="circle">
+            <a:fillToRect l="100000" t="100000" r="100000" b="100000"/>
+          </a:path>
         </a:gradFill>
         <a:gradFill rotWithShape="1">
           <a:gsLst>
             <a:gs pos="0">
               <a:schemeClr val="phClr">
+                <a:shade val="85000"/>
+                <a:satMod val="130000"/>
+              </a:schemeClr>
+            </a:gs>
+            <a:gs pos="34000">
+              <a:schemeClr val="phClr">
+                <a:shade val="87000"/>
+                <a:satMod val="125000"/>
+              </a:schemeClr>
+            </a:gs>
+            <a:gs pos="70000">
+              <a:schemeClr val="phClr">
                 <a:tint val="100000"/>
-                <a:shade val="100000"/>
+                <a:shade val="90000"/>
                 <a:satMod val="130000"/>
               </a:schemeClr>
             </a:gs>
             <a:gs pos="100000">
               <a:schemeClr val="phClr">
-                <a:tint val="50000"/>
+                <a:tint val="100000"/>
                 <a:shade val="100000"/>
-                <a:satMod val="350000"/>
+                <a:satMod val="110000"/>
               </a:schemeClr>
             </a:gs>
           </a:gsLst>
-          <a:lin ang="16200000" scaled="0"/>
+          <a:path path="circle">
+            <a:fillToRect l="100000" t="100000" r="100000" b="100000"/>
+          </a:path>
         </a:gradFill>
       </a:fillStyleLst>
       <a:lnStyleLst>
-        <a:ln w="9525" cap="flat" cmpd="sng" algn="ctr">
+        <a:ln w="12700" cap="flat" cmpd="sng" algn="ctr">
           <a:solidFill>
-            <a:schemeClr val="phClr">
-              <a:shade val="95000"/>
-              <a:satMod val="105000"/>
-            </a:schemeClr>
+            <a:schemeClr val="phClr"/>
+          </a:solidFill>
+          <a:prstDash val="solid"/>
+        </a:ln>
+        <a:ln w="15875" cap="flat" cmpd="sng" algn="ctr">
+          <a:solidFill>
+            <a:schemeClr val="phClr"/>
           </a:solidFill>
           <a:prstDash val="solid"/>
         </a:ln>
@@ -3826,37 +4615,25 @@
           </a:solidFill>
           <a:prstDash val="solid"/>
         </a:ln>
-        <a:ln w="38100" cap="flat" cmpd="sng" algn="ctr">
-          <a:solidFill>
-            <a:schemeClr val="phClr"/>
-          </a:solidFill>
-          <a:prstDash val="solid"/>
-        </a:ln>
       </a:lnStyleLst>
       <a:effectStyleLst>
         <a:effectStyle>
+          <a:effectLst/>
+        </a:effectStyle>
+        <a:effectStyle>
           <a:effectLst>
-            <a:outerShdw blurRad="40000" dist="20000" dir="5400000" rotWithShape="0">
+            <a:outerShdw blurRad="38100" dist="25400" dir="2700000" algn="br" rotWithShape="0">
               <a:srgbClr val="000000">
-                <a:alpha val="38000"/>
+                <a:alpha val="60000"/>
               </a:srgbClr>
             </a:outerShdw>
           </a:effectLst>
         </a:effectStyle>
         <a:effectStyle>
           <a:effectLst>
-            <a:outerShdw blurRad="40000" dist="23000" dir="5400000" rotWithShape="0">
+            <a:outerShdw blurRad="44450" dist="25400" dir="2700000" algn="br" rotWithShape="0">
               <a:srgbClr val="000000">
-                <a:alpha val="35000"/>
-              </a:srgbClr>
-            </a:outerShdw>
-          </a:effectLst>
-        </a:effectStyle>
-        <a:effectStyle>
-          <a:effectLst>
-            <a:outerShdw blurRad="40000" dist="23000" dir="5400000" rotWithShape="0">
-              <a:srgbClr val="000000">
-                <a:alpha val="35000"/>
+                <a:alpha val="60000"/>
               </a:srgbClr>
             </a:outerShdw>
           </a:effectLst>
@@ -3865,11 +4642,11 @@
               <a:rot lat="0" lon="0" rev="0"/>
             </a:camera>
             <a:lightRig rig="threePt" dir="t">
-              <a:rot lat="0" lon="0" rev="1200000"/>
+              <a:rot lat="0" lon="0" rev="19800000"/>
             </a:lightRig>
           </a:scene3d>
-          <a:sp3d>
-            <a:bevelT w="63500" h="25400"/>
+          <a:sp3d prstMaterial="flat">
+            <a:bevelT w="25400" h="31750"/>
           </a:sp3d>
         </a:effectStyle>
       </a:effectStyleLst>
@@ -3877,94 +4654,48 @@
         <a:solidFill>
           <a:schemeClr val="phClr"/>
         </a:solidFill>
+        <a:solidFill>
+          <a:schemeClr val="phClr">
+            <a:tint val="90000"/>
+            <a:shade val="97000"/>
+            <a:satMod val="130000"/>
+          </a:schemeClr>
+        </a:solidFill>
         <a:gradFill rotWithShape="1">
           <a:gsLst>
             <a:gs pos="0">
               <a:schemeClr val="phClr">
-                <a:tint val="40000"/>
-                <a:satMod val="350000"/>
+                <a:tint val="96000"/>
+                <a:shade val="99000"/>
+                <a:satMod val="140000"/>
               </a:schemeClr>
             </a:gs>
-            <a:gs pos="40000">
+            <a:gs pos="65000">
               <a:schemeClr val="phClr">
-                <a:tint val="45000"/>
-                <a:shade val="99000"/>
-                <a:satMod val="350000"/>
+                <a:tint val="100000"/>
+                <a:shade val="80000"/>
+                <a:satMod val="130000"/>
               </a:schemeClr>
             </a:gs>
             <a:gs pos="100000">
               <a:schemeClr val="phClr">
-                <a:shade val="20000"/>
-                <a:satMod val="255000"/>
+                <a:tint val="100000"/>
+                <a:shade val="48000"/>
+                <a:satMod val="120000"/>
               </a:schemeClr>
             </a:gs>
           </a:gsLst>
-          <a:path path="circle">
-            <a:fillToRect l="50000" t="-80000" r="50000" b="180000"/>
-          </a:path>
-        </a:gradFill>
-        <a:gradFill rotWithShape="1">
-          <a:gsLst>
-            <a:gs pos="0">
-              <a:schemeClr val="phClr">
-                <a:tint val="80000"/>
-                <a:satMod val="300000"/>
-              </a:schemeClr>
-            </a:gs>
-            <a:gs pos="100000">
-              <a:schemeClr val="phClr">
-                <a:shade val="30000"/>
-                <a:satMod val="200000"/>
-              </a:schemeClr>
-            </a:gs>
-          </a:gsLst>
-          <a:path path="circle">
-            <a:fillToRect l="50000" t="50000" r="50000" b="50000"/>
-          </a:path>
+          <a:lin ang="16200000" scaled="0"/>
         </a:gradFill>
       </a:bgFillStyleLst>
     </a:fmtScheme>
   </a:themeElements>
-  <a:objectDefaults>
-    <a:spDef>
-      <a:spPr/>
-      <a:bodyPr/>
-      <a:lstStyle/>
-      <a:style>
-        <a:lnRef idx="1">
-          <a:schemeClr val="accent1"/>
-        </a:lnRef>
-        <a:fillRef idx="3">
-          <a:schemeClr val="accent1"/>
-        </a:fillRef>
-        <a:effectRef idx="2">
-          <a:schemeClr val="accent1"/>
-        </a:effectRef>
-        <a:fontRef idx="minor">
-          <a:schemeClr val="lt1"/>
-        </a:fontRef>
-      </a:style>
-    </a:spDef>
-    <a:lnDef>
-      <a:spPr/>
-      <a:bodyPr/>
-      <a:lstStyle/>
-      <a:style>
-        <a:lnRef idx="2">
-          <a:schemeClr val="accent1"/>
-        </a:lnRef>
-        <a:fillRef idx="0">
-          <a:schemeClr val="accent1"/>
-        </a:fillRef>
-        <a:effectRef idx="1">
-          <a:schemeClr val="accent1"/>
-        </a:effectRef>
-        <a:fontRef idx="minor">
-          <a:schemeClr val="tx1"/>
-        </a:fontRef>
-      </a:style>
-    </a:lnDef>
-  </a:objectDefaults>
+  <a:objectDefaults/>
   <a:extraClrSchemeLst/>
+  <a:extLst>
+    <a:ext uri="{05A4C25C-085E-4340-85A3-A5531E510DB2}">
+      <thm15:themeFamily xmlns:thm15="http://schemas.microsoft.com/office/thememl/2012/main" name="Retrospect" id="{5F128B03-DCCA-4EEB-AB3B-CF2899314A46}" vid="{D26EA377-59BD-4C9C-9D94-EE8416EE4C79}"/>
+    </a:ext>
+  </a:extLst>
 </a:theme>
 </file>